--- a/S23/EESCL/Dashboards/20230317_will.pptx
+++ b/S23/EESCL/Dashboards/20230317_will.pptx
@@ -10,8 +10,6 @@
   <p:sldIdLst>
     <p:sldId id="256" r:id="rId4"/>
     <p:sldId id="257" r:id="rId5"/>
-    <p:sldId id="258" r:id="rId6"/>
-    <p:sldId id="259" r:id="rId7"/>
   </p:sldIdLst>
   <p:sldSz cx="9144000" cy="6858000"/>
   <p:notesSz cx="6985000" cy="9271000"/>
@@ -295,7 +293,7 @@
             <a:pPr algn="r">
               <a:buNone/>
             </a:pPr>
-            <a:fld id="{EE60745A-FF91-4126-93B1-6AA3DC08A4AD}" type="slidenum">
+            <a:fld id="{88A18A22-2C38-449F-8A0B-C23A1E1A0F42}" type="slidenum">
               <a:rPr b="0" lang="en-US" sz="1400" spc="-1" strike="noStrike">
                 <a:latin typeface="Times New Roman"/>
               </a:rPr>
@@ -332,18 +330,18 @@
       </p:grpSpPr>
       <p:sp>
         <p:nvSpPr>
-          <p:cNvPr id="79" name="PlaceHolder 1"/>
-          <p:cNvSpPr>
-            <a:spLocks noGrp="1"/>
-          </p:cNvSpPr>
-          <p:nvPr>
-            <p:ph type="sldNum" idx="11"/>
+          <p:cNvPr id="65" name="PlaceHolder 1"/>
+          <p:cNvSpPr>
+            <a:spLocks noGrp="1"/>
+          </p:cNvSpPr>
+          <p:nvPr>
+            <p:ph type="sldNum" idx="9"/>
           </p:nvPr>
         </p:nvSpPr>
         <p:spPr>
           <a:xfrm>
             <a:off x="3956400" y="8805960"/>
-            <a:ext cx="3025080" cy="461880"/>
+            <a:ext cx="3024360" cy="461160"/>
           </a:xfrm>
           <a:prstGeom prst="rect">
             <a:avLst/>
@@ -381,7 +379,7 @@
                 <a:tab algn="l" pos="0"/>
               </a:tabLst>
             </a:pPr>
-            <a:fld id="{714ED963-4CE0-4E07-8546-F3DAE9B59502}" type="slidenum">
+            <a:fld id="{F7FAE0C0-5882-4FBB-8330-42C49CE0EA1F}" type="slidenum">
               <a:rPr b="0" lang="en-US" sz="1400" spc="-1" strike="noStrike">
                 <a:latin typeface="Times New Roman"/>
               </a:rPr>
@@ -395,7 +393,7 @@
       </p:sp>
       <p:sp>
         <p:nvSpPr>
-          <p:cNvPr id="80" name="PlaceHolder 2"/>
+          <p:cNvPr id="66" name="PlaceHolder 2"/>
           <p:cNvSpPr>
             <a:spLocks noGrp="1"/>
           </p:cNvSpPr>
@@ -406,7 +404,7 @@
         <p:spPr>
           <a:xfrm>
             <a:off x="1174680" y="695160"/>
-            <a:ext cx="4633560" cy="3474720"/>
+            <a:ext cx="4632840" cy="3474000"/>
           </a:xfrm>
           <a:prstGeom prst="rect">
             <a:avLst/>
@@ -418,7 +416,7 @@
       </p:sp>
       <p:sp>
         <p:nvSpPr>
-          <p:cNvPr id="81" name="PlaceHolder 3"/>
+          <p:cNvPr id="67" name="PlaceHolder 3"/>
           <p:cNvSpPr>
             <a:spLocks noGrp="1"/>
           </p:cNvSpPr>
@@ -429,7 +427,7 @@
         <p:spPr>
           <a:xfrm>
             <a:off x="931320" y="4403880"/>
-            <a:ext cx="5120640" cy="4170240"/>
+            <a:ext cx="5119920" cy="4169520"/>
           </a:xfrm>
           <a:prstGeom prst="rect">
             <a:avLst/>
@@ -474,18 +472,18 @@
       </p:grpSpPr>
       <p:sp>
         <p:nvSpPr>
-          <p:cNvPr id="82" name="PlaceHolder 1"/>
-          <p:cNvSpPr>
-            <a:spLocks noGrp="1"/>
-          </p:cNvSpPr>
-          <p:nvPr>
-            <p:ph type="sldNum" idx="12"/>
+          <p:cNvPr id="68" name="PlaceHolder 1"/>
+          <p:cNvSpPr>
+            <a:spLocks noGrp="1"/>
+          </p:cNvSpPr>
+          <p:nvPr>
+            <p:ph type="sldNum" idx="10"/>
           </p:nvPr>
         </p:nvSpPr>
         <p:spPr>
           <a:xfrm>
             <a:off x="3956400" y="8805960"/>
-            <a:ext cx="3025080" cy="461880"/>
+            <a:ext cx="3024360" cy="461160"/>
           </a:xfrm>
           <a:prstGeom prst="rect">
             <a:avLst/>
@@ -523,7 +521,7 @@
                 <a:tab algn="l" pos="0"/>
               </a:tabLst>
             </a:pPr>
-            <a:fld id="{CE1F4FF3-C288-4808-89EC-10E7CB06C921}" type="slidenum">
+            <a:fld id="{4B8947C2-B081-4C4E-A9F6-ADA0B1112792}" type="slidenum">
               <a:rPr b="0" lang="en-US" sz="1400" spc="-1" strike="noStrike">
                 <a:latin typeface="Times New Roman"/>
               </a:rPr>
@@ -537,7 +535,7 @@
       </p:sp>
       <p:sp>
         <p:nvSpPr>
-          <p:cNvPr id="83" name="PlaceHolder 2"/>
+          <p:cNvPr id="69" name="PlaceHolder 2"/>
           <p:cNvSpPr>
             <a:spLocks noGrp="1"/>
           </p:cNvSpPr>
@@ -548,7 +546,7 @@
         <p:spPr>
           <a:xfrm>
             <a:off x="1174680" y="695160"/>
-            <a:ext cx="4633560" cy="3474720"/>
+            <a:ext cx="4632840" cy="3474000"/>
           </a:xfrm>
           <a:prstGeom prst="rect">
             <a:avLst/>
@@ -560,7 +558,7 @@
       </p:sp>
       <p:sp>
         <p:nvSpPr>
-          <p:cNvPr id="84" name="PlaceHolder 3"/>
+          <p:cNvPr id="70" name="PlaceHolder 3"/>
           <p:cNvSpPr>
             <a:spLocks noGrp="1"/>
           </p:cNvSpPr>
@@ -571,291 +569,7 @@
         <p:spPr>
           <a:xfrm>
             <a:off x="931320" y="4403880"/>
-            <a:ext cx="5120640" cy="4170240"/>
-          </a:xfrm>
-          <a:prstGeom prst="rect">
-            <a:avLst/>
-          </a:prstGeom>
-          <a:noFill/>
-          <a:ln w="0">
-            <a:noFill/>
-          </a:ln>
-        </p:spPr>
-        <p:txBody>
-          <a:bodyPr lIns="91080" rIns="91080" tIns="0" bIns="0" anchor="t">
-            <a:normAutofit/>
-          </a:bodyPr>
-          <a:p>
-            <a:endParaRPr b="0" lang="en-US" sz="2000" spc="-1" strike="noStrike">
-              <a:latin typeface="Arial"/>
-            </a:endParaRPr>
-          </a:p>
-        </p:txBody>
-      </p:sp>
-    </p:spTree>
-  </p:cSld>
-</p:notes>
-</file>
-
-<file path=ppt/notesSlides/notesSlide3.xml><?xml version="1.0" encoding="utf-8"?>
-<p:notes xmlns:a="http://schemas.openxmlformats.org/drawingml/2006/main" xmlns:p="http://schemas.openxmlformats.org/presentationml/2006/main" xmlns:r="http://schemas.openxmlformats.org/officeDocument/2006/relationships" xmlns:p14="http://schemas.microsoft.com/office/powerpoint/2010/main" xmlns:p15="http://schemas.microsoft.com/office/powerpoint/2012/main" xmlns:mc="http://schemas.openxmlformats.org/markup-compatibility/2006">
-  <p:cSld>
-    <p:spTree>
-      <p:nvGrpSpPr>
-        <p:cNvPr id="1" name=""/>
-        <p:cNvGrpSpPr/>
-        <p:nvPr/>
-      </p:nvGrpSpPr>
-      <p:grpSpPr>
-        <a:xfrm>
-          <a:off x="0" y="0"/>
-          <a:ext cx="0" cy="0"/>
-          <a:chOff x="0" y="0"/>
-          <a:chExt cx="0" cy="0"/>
-        </a:xfrm>
-      </p:grpSpPr>
-      <p:sp>
-        <p:nvSpPr>
-          <p:cNvPr id="85" name="PlaceHolder 1"/>
-          <p:cNvSpPr>
-            <a:spLocks noGrp="1"/>
-          </p:cNvSpPr>
-          <p:nvPr>
-            <p:ph type="sldNum" idx="13"/>
-          </p:nvPr>
-        </p:nvSpPr>
-        <p:spPr>
-          <a:xfrm>
-            <a:off x="3956400" y="8805960"/>
-            <a:ext cx="3025080" cy="461880"/>
-          </a:xfrm>
-          <a:prstGeom prst="rect">
-            <a:avLst/>
-          </a:prstGeom>
-          <a:noFill/>
-          <a:ln w="0">
-            <a:noFill/>
-          </a:ln>
-        </p:spPr>
-        <p:txBody>
-          <a:bodyPr lIns="92880" rIns="92880" tIns="46440" bIns="46440" anchor="b">
-            <a:noAutofit/>
-          </a:bodyPr>
-          <a:lstStyle>
-            <a:lvl1pPr algn="r">
-              <a:lnSpc>
-                <a:spcPct val="100000"/>
-              </a:lnSpc>
-              <a:buNone/>
-              <a:tabLst>
-                <a:tab algn="l" pos="0"/>
-              </a:tabLst>
-              <a:defRPr b="0" lang="en-US" sz="1400" spc="-1" strike="noStrike">
-                <a:latin typeface="Times New Roman"/>
-              </a:defRPr>
-            </a:lvl1pPr>
-          </a:lstStyle>
-          <a:p>
-            <a:pPr algn="r">
-              <a:lnSpc>
-                <a:spcPct val="100000"/>
-              </a:lnSpc>
-              <a:buNone/>
-              <a:tabLst>
-                <a:tab algn="l" pos="0"/>
-              </a:tabLst>
-            </a:pPr>
-            <a:fld id="{5B69D4FF-05DC-4032-9587-57687F75CB75}" type="slidenum">
-              <a:rPr b="0" lang="en-US" sz="1400" spc="-1" strike="noStrike">
-                <a:latin typeface="Times New Roman"/>
-              </a:rPr>
-              <a:t>&lt;number&gt;</a:t>
-            </a:fld>
-            <a:endParaRPr b="0" lang="en-US" sz="1400" spc="-1" strike="noStrike">
-              <a:latin typeface="Times New Roman"/>
-            </a:endParaRPr>
-          </a:p>
-        </p:txBody>
-      </p:sp>
-      <p:sp>
-        <p:nvSpPr>
-          <p:cNvPr id="86" name="PlaceHolder 2"/>
-          <p:cNvSpPr>
-            <a:spLocks noGrp="1"/>
-          </p:cNvSpPr>
-          <p:nvPr>
-            <p:ph type="sldImg"/>
-          </p:nvPr>
-        </p:nvSpPr>
-        <p:spPr>
-          <a:xfrm>
-            <a:off x="1174680" y="695160"/>
-            <a:ext cx="4633560" cy="3474720"/>
-          </a:xfrm>
-          <a:prstGeom prst="rect">
-            <a:avLst/>
-          </a:prstGeom>
-          <a:ln w="0">
-            <a:noFill/>
-          </a:ln>
-        </p:spPr>
-      </p:sp>
-      <p:sp>
-        <p:nvSpPr>
-          <p:cNvPr id="87" name="PlaceHolder 3"/>
-          <p:cNvSpPr>
-            <a:spLocks noGrp="1"/>
-          </p:cNvSpPr>
-          <p:nvPr>
-            <p:ph type="body"/>
-          </p:nvPr>
-        </p:nvSpPr>
-        <p:spPr>
-          <a:xfrm>
-            <a:off x="931320" y="4403880"/>
-            <a:ext cx="5120640" cy="4170240"/>
-          </a:xfrm>
-          <a:prstGeom prst="rect">
-            <a:avLst/>
-          </a:prstGeom>
-          <a:noFill/>
-          <a:ln w="0">
-            <a:noFill/>
-          </a:ln>
-        </p:spPr>
-        <p:txBody>
-          <a:bodyPr lIns="91080" rIns="91080" tIns="0" bIns="0" anchor="t">
-            <a:normAutofit/>
-          </a:bodyPr>
-          <a:p>
-            <a:endParaRPr b="0" lang="en-US" sz="2000" spc="-1" strike="noStrike">
-              <a:latin typeface="Arial"/>
-            </a:endParaRPr>
-          </a:p>
-        </p:txBody>
-      </p:sp>
-    </p:spTree>
-  </p:cSld>
-</p:notes>
-</file>
-
-<file path=ppt/notesSlides/notesSlide4.xml><?xml version="1.0" encoding="utf-8"?>
-<p:notes xmlns:a="http://schemas.openxmlformats.org/drawingml/2006/main" xmlns:p="http://schemas.openxmlformats.org/presentationml/2006/main" xmlns:r="http://schemas.openxmlformats.org/officeDocument/2006/relationships" xmlns:p14="http://schemas.microsoft.com/office/powerpoint/2010/main" xmlns:p15="http://schemas.microsoft.com/office/powerpoint/2012/main" xmlns:mc="http://schemas.openxmlformats.org/markup-compatibility/2006">
-  <p:cSld>
-    <p:spTree>
-      <p:nvGrpSpPr>
-        <p:cNvPr id="1" name=""/>
-        <p:cNvGrpSpPr/>
-        <p:nvPr/>
-      </p:nvGrpSpPr>
-      <p:grpSpPr>
-        <a:xfrm>
-          <a:off x="0" y="0"/>
-          <a:ext cx="0" cy="0"/>
-          <a:chOff x="0" y="0"/>
-          <a:chExt cx="0" cy="0"/>
-        </a:xfrm>
-      </p:grpSpPr>
-      <p:sp>
-        <p:nvSpPr>
-          <p:cNvPr id="88" name="PlaceHolder 1"/>
-          <p:cNvSpPr>
-            <a:spLocks noGrp="1"/>
-          </p:cNvSpPr>
-          <p:nvPr>
-            <p:ph type="sldNum" idx="14"/>
-          </p:nvPr>
-        </p:nvSpPr>
-        <p:spPr>
-          <a:xfrm>
-            <a:off x="3956400" y="8805960"/>
-            <a:ext cx="3025080" cy="461880"/>
-          </a:xfrm>
-          <a:prstGeom prst="rect">
-            <a:avLst/>
-          </a:prstGeom>
-          <a:noFill/>
-          <a:ln w="0">
-            <a:noFill/>
-          </a:ln>
-        </p:spPr>
-        <p:txBody>
-          <a:bodyPr lIns="92880" rIns="92880" tIns="46440" bIns="46440" anchor="b">
-            <a:noAutofit/>
-          </a:bodyPr>
-          <a:lstStyle>
-            <a:lvl1pPr algn="r">
-              <a:lnSpc>
-                <a:spcPct val="100000"/>
-              </a:lnSpc>
-              <a:buNone/>
-              <a:tabLst>
-                <a:tab algn="l" pos="0"/>
-              </a:tabLst>
-              <a:defRPr b="0" lang="en-US" sz="1400" spc="-1" strike="noStrike">
-                <a:latin typeface="Times New Roman"/>
-              </a:defRPr>
-            </a:lvl1pPr>
-          </a:lstStyle>
-          <a:p>
-            <a:pPr algn="r">
-              <a:lnSpc>
-                <a:spcPct val="100000"/>
-              </a:lnSpc>
-              <a:buNone/>
-              <a:tabLst>
-                <a:tab algn="l" pos="0"/>
-              </a:tabLst>
-            </a:pPr>
-            <a:fld id="{7EF26B05-A542-4F9F-A3EA-34CCFFBF88A7}" type="slidenum">
-              <a:rPr b="0" lang="en-US" sz="1400" spc="-1" strike="noStrike">
-                <a:latin typeface="Times New Roman"/>
-              </a:rPr>
-              <a:t>&lt;number&gt;</a:t>
-            </a:fld>
-            <a:endParaRPr b="0" lang="en-US" sz="1400" spc="-1" strike="noStrike">
-              <a:latin typeface="Times New Roman"/>
-            </a:endParaRPr>
-          </a:p>
-        </p:txBody>
-      </p:sp>
-      <p:sp>
-        <p:nvSpPr>
-          <p:cNvPr id="89" name="PlaceHolder 2"/>
-          <p:cNvSpPr>
-            <a:spLocks noGrp="1"/>
-          </p:cNvSpPr>
-          <p:nvPr>
-            <p:ph type="sldImg"/>
-          </p:nvPr>
-        </p:nvSpPr>
-        <p:spPr>
-          <a:xfrm>
-            <a:off x="1174680" y="695160"/>
-            <a:ext cx="4633560" cy="3474720"/>
-          </a:xfrm>
-          <a:prstGeom prst="rect">
-            <a:avLst/>
-          </a:prstGeom>
-          <a:ln w="0">
-            <a:noFill/>
-          </a:ln>
-        </p:spPr>
-      </p:sp>
-      <p:sp>
-        <p:nvSpPr>
-          <p:cNvPr id="90" name="PlaceHolder 3"/>
-          <p:cNvSpPr>
-            <a:spLocks noGrp="1"/>
-          </p:cNvSpPr>
-          <p:nvPr>
-            <p:ph type="body"/>
-          </p:nvPr>
-        </p:nvSpPr>
-        <p:spPr>
-          <a:xfrm>
-            <a:off x="931320" y="4403880"/>
-            <a:ext cx="5120640" cy="4170240"/>
+            <a:ext cx="5119920" cy="4169520"/>
           </a:xfrm>
           <a:prstGeom prst="rect">
             <a:avLst/>
@@ -932,7 +646,7 @@
         <p:txBody>
           <a:bodyPr/>
           <a:p>
-            <a:fld id="{8588D0D7-78D1-45CC-AFA9-078E239CE710}" type="slidenum">
+            <a:fld id="{1425A0DD-99F0-44E6-9509-34CC6DAD1664}" type="slidenum">
               <a:t>&lt;#&gt;</a:t>
             </a:fld>
           </a:p>
@@ -1120,7 +834,7 @@
         <p:txBody>
           <a:bodyPr/>
           <a:p>
-            <a:fld id="{B016C87E-86DB-4BB1-BC42-3216CA440AFD}" type="slidenum">
+            <a:fld id="{BB0DA0F7-84E1-4405-98A9-6D507B771075}" type="slidenum">
               <a:t>&lt;#&gt;</a:t>
             </a:fld>
           </a:p>
@@ -1376,7 +1090,7 @@
         <p:txBody>
           <a:bodyPr/>
           <a:p>
-            <a:fld id="{9348417F-F7D5-45EC-91BA-D37E501F3416}" type="slidenum">
+            <a:fld id="{05FB095A-343E-41E3-A7A9-09FE0A1ECACA}" type="slidenum">
               <a:t>&lt;#&gt;</a:t>
             </a:fld>
           </a:p>
@@ -1700,7 +1414,7 @@
         <p:txBody>
           <a:bodyPr/>
           <a:p>
-            <a:fld id="{4F628C15-752E-4D1F-9987-66DC268804EC}" type="slidenum">
+            <a:fld id="{4492938A-4F14-4101-8AA2-017AD8BC7C70}" type="slidenum">
               <a:t>&lt;#&gt;</a:t>
             </a:fld>
           </a:p>
@@ -1857,7 +1571,7 @@
         <p:txBody>
           <a:bodyPr/>
           <a:p>
-            <a:fld id="{06F428CF-DBFF-4F7F-90E4-B574692E7118}" type="slidenum">
+            <a:fld id="{5E7C682A-419D-43F8-B893-BBEE5C071385}" type="slidenum">
               <a:t>&lt;#&gt;</a:t>
             </a:fld>
           </a:p>
@@ -2011,7 +1725,7 @@
         <p:txBody>
           <a:bodyPr/>
           <a:p>
-            <a:fld id="{827AC7BC-2A6F-4B4F-B6FE-4DAEEF479560}" type="slidenum">
+            <a:fld id="{463F421C-70B5-43EE-807B-D1225C9114F0}" type="slidenum">
               <a:t>&lt;#&gt;</a:t>
             </a:fld>
           </a:p>
@@ -2199,7 +1913,7 @@
         <p:txBody>
           <a:bodyPr/>
           <a:p>
-            <a:fld id="{DB99823F-92A3-42FB-82A2-EA67380B2914}" type="slidenum">
+            <a:fld id="{78C4D5A2-C885-4D0B-B4B3-04FD9E6C6942}" type="slidenum">
               <a:t>&lt;#&gt;</a:t>
             </a:fld>
           </a:p>
@@ -2319,7 +2033,7 @@
         <p:txBody>
           <a:bodyPr/>
           <a:p>
-            <a:fld id="{D9A78CCF-265B-419F-A5C3-306E56D75409}" type="slidenum">
+            <a:fld id="{19B404D7-CE0A-42B0-8A64-C7A38C49255E}" type="slidenum">
               <a:t>&lt;#&gt;</a:t>
             </a:fld>
           </a:p>
@@ -2439,7 +2153,7 @@
         <p:txBody>
           <a:bodyPr/>
           <a:p>
-            <a:fld id="{BA675293-E562-4A58-93F2-98F1B8AEE192}" type="slidenum">
+            <a:fld id="{81C086FA-B771-4B4D-8413-CEA25635BD1D}" type="slidenum">
               <a:t>&lt;#&gt;</a:t>
             </a:fld>
           </a:p>
@@ -2661,7 +2375,7 @@
         <p:txBody>
           <a:bodyPr/>
           <a:p>
-            <a:fld id="{36997766-E146-4DC5-BDE2-46D912EA3128}" type="slidenum">
+            <a:fld id="{C5B1FCDB-4094-411C-B84D-0491DF215164}" type="slidenum">
               <a:t>&lt;#&gt;</a:t>
             </a:fld>
           </a:p>
@@ -2883,7 +2597,7 @@
         <p:txBody>
           <a:bodyPr/>
           <a:p>
-            <a:fld id="{8EE43E83-3EBF-413C-9F1C-C30F4750E0F5}" type="slidenum">
+            <a:fld id="{4587AF1D-BC64-422B-9E08-EB5F270E2809}" type="slidenum">
               <a:t>&lt;#&gt;</a:t>
             </a:fld>
           </a:p>
@@ -3105,7 +2819,7 @@
         <p:txBody>
           <a:bodyPr/>
           <a:p>
-            <a:fld id="{A70F55D0-3E4D-40D6-81FA-6E83CD8318DA}" type="slidenum">
+            <a:fld id="{C6DC27E5-F627-4005-8583-ECBE607BF81F}" type="slidenum">
               <a:t>&lt;#&gt;</a:t>
             </a:fld>
           </a:p>
@@ -3174,7 +2888,7 @@
         <p:spPr>
           <a:xfrm>
             <a:off x="3124080" y="6356520"/>
-            <a:ext cx="2893680" cy="363240"/>
+            <a:ext cx="2892960" cy="362520"/>
           </a:xfrm>
           <a:prstGeom prst="rect">
             <a:avLst/>
@@ -3210,7 +2924,7 @@
               <a:rPr b="0" lang="en-US" sz="1400" spc="-1" strike="noStrike">
                 <a:latin typeface="Times New Roman"/>
               </a:rPr>
-              <a:t>&lt;footer&gt;</a:t>
+              <a:t> </a:t>
             </a:r>
             <a:endParaRPr b="0" lang="en-US" sz="1400" spc="-1" strike="noStrike">
               <a:latin typeface="Times New Roman"/>
@@ -3231,7 +2945,7 @@
         <p:spPr>
           <a:xfrm>
             <a:off x="6553080" y="6356520"/>
-            <a:ext cx="2131920" cy="363240"/>
+            <a:ext cx="2131200" cy="362520"/>
           </a:xfrm>
           <a:prstGeom prst="rect">
             <a:avLst/>
@@ -3273,7 +2987,7 @@
                 <a:tab algn="l" pos="0"/>
               </a:tabLst>
             </a:pPr>
-            <a:fld id="{4631CDEC-4F03-46A3-9041-5417716FBB25}" type="slidenum">
+            <a:fld id="{EC67179F-E985-4A7D-96C3-C13B1EF2AC33}" type="slidenum">
               <a:rPr b="0" lang="en-US" sz="1200" spc="-1" strike="noStrike">
                 <a:solidFill>
                   <a:srgbClr val="888888"/>
@@ -3281,7 +2995,7 @@
                 <a:latin typeface="Calibri"/>
                 <a:ea typeface="Calibri"/>
               </a:rPr>
-              <a:t>&lt;number&gt;</a:t>
+              <a:t>1</a:t>
             </a:fld>
             <a:endParaRPr b="0" lang="en-US" sz="1200" spc="-1" strike="noStrike">
               <a:latin typeface="Times New Roman"/>
@@ -3302,7 +3016,7 @@
         <p:spPr>
           <a:xfrm>
             <a:off x="457200" y="6356520"/>
-            <a:ext cx="2131920" cy="363240"/>
+            <a:ext cx="2131200" cy="362520"/>
           </a:xfrm>
           <a:prstGeom prst="rect">
             <a:avLst/>
@@ -3328,7 +3042,7 @@
               <a:rPr b="0" lang="en-US" sz="1400" spc="-1" strike="noStrike">
                 <a:latin typeface="Times New Roman"/>
               </a:rPr>
-              <a:t>&lt;date/time&gt;</a:t>
+              <a:t> </a:t>
             </a:r>
             <a:endParaRPr b="0" lang="en-US" sz="1400" spc="-1" strike="noStrike">
               <a:latin typeface="Times New Roman"/>
@@ -3371,7 +3085,25 @@
               <a:rPr b="0" lang="en-US" sz="4400" spc="-1" strike="noStrike">
                 <a:latin typeface="Arial"/>
               </a:rPr>
-              <a:t>Click to edit the title text format</a:t>
+              <a:t>Click to </a:t>
+            </a:r>
+            <a:r>
+              <a:rPr b="0" lang="en-US" sz="4400" spc="-1" strike="noStrike">
+                <a:latin typeface="Arial"/>
+              </a:rPr>
+              <a:t>edit the </a:t>
+            </a:r>
+            <a:r>
+              <a:rPr b="0" lang="en-US" sz="4400" spc="-1" strike="noStrike">
+                <a:latin typeface="Arial"/>
+              </a:rPr>
+              <a:t>title text </a:t>
+            </a:r>
+            <a:r>
+              <a:rPr b="0" lang="en-US" sz="4400" spc="-1" strike="noStrike">
+                <a:latin typeface="Arial"/>
+              </a:rPr>
+              <a:t>format</a:t>
             </a:r>
             <a:endParaRPr b="0" lang="en-US" sz="4400" spc="-1" strike="noStrike">
               <a:latin typeface="Arial"/>
@@ -3608,7 +3340,7 @@
         <p:spPr>
           <a:xfrm>
             <a:off x="190440" y="333360"/>
-            <a:ext cx="1079280" cy="429840"/>
+            <a:ext cx="1078560" cy="429120"/>
           </a:xfrm>
           <a:prstGeom prst="homePlate">
             <a:avLst>
@@ -3747,7 +3479,7 @@
         <p:spPr>
           <a:xfrm>
             <a:off x="190440" y="836640"/>
-            <a:ext cx="1079280" cy="574560"/>
+            <a:ext cx="1078560" cy="573840"/>
           </a:xfrm>
           <a:prstGeom prst="homePlate">
             <a:avLst>
@@ -3886,7 +3618,7 @@
         <p:spPr>
           <a:xfrm>
             <a:off x="190440" y="1484280"/>
-            <a:ext cx="1079280" cy="1612080"/>
+            <a:ext cx="1078560" cy="1611360"/>
           </a:xfrm>
           <a:prstGeom prst="homePlate">
             <a:avLst>
@@ -3948,7 +3680,7 @@
         <p:spPr>
           <a:xfrm>
             <a:off x="152280" y="3190320"/>
-            <a:ext cx="1117440" cy="1316520"/>
+            <a:ext cx="1116720" cy="1315800"/>
           </a:xfrm>
           <a:prstGeom prst="homePlate">
             <a:avLst>
@@ -4068,7 +3800,7 @@
         <p:spPr>
           <a:xfrm>
             <a:off x="190440" y="4600440"/>
-            <a:ext cx="1079280" cy="1058760"/>
+            <a:ext cx="1078560" cy="1058040"/>
           </a:xfrm>
           <a:prstGeom prst="homePlate">
             <a:avLst>
@@ -4190,7 +3922,7 @@
                           <a:latin typeface="Times New Roman"/>
                           <a:ea typeface="Times New Roman"/>
                         </a:rPr>
-                        <a:t>High resolution colliding bubble simulations</a:t>
+                        <a:t>Low resolution simulations verified. Batch job submission 4 failed</a:t>
                       </a:r>
                       <a:endParaRPr b="0" lang="en-US" sz="1400" spc="-1" strike="noStrike">
                         <a:latin typeface="Arial"/>
@@ -4218,7 +3950,17 @@
                           <a:latin typeface="Times New Roman"/>
                           <a:ea typeface="Times New Roman"/>
                         </a:rPr>
-                        <a:t> </a:t>
+                        <a:t>    </a:t>
+                      </a:r>
+                      <a:r>
+                        <a:rPr b="0" lang="en-US" sz="1400" spc="-1" strike="noStrike">
+                          <a:solidFill>
+                            <a:srgbClr val="000000"/>
+                          </a:solidFill>
+                          <a:latin typeface="Times New Roman"/>
+                          <a:ea typeface="Times New Roman"/>
+                        </a:rPr>
+                        <a:t>low resolution, Pe: 1e-3, bubble radius 8</a:t>
                       </a:r>
                       <a:endParaRPr b="0" lang="en-US" sz="1400" spc="-1" strike="noStrike">
                         <a:latin typeface="Arial"/>
@@ -4290,7 +4032,7 @@
         <p:spPr>
           <a:xfrm>
             <a:off x="179280" y="5734080"/>
-            <a:ext cx="1079280" cy="717480"/>
+            <a:ext cx="1078560" cy="716760"/>
           </a:xfrm>
           <a:prstGeom prst="homePlate">
             <a:avLst>
@@ -4380,7 +4122,7 @@
         <p:spPr>
           <a:xfrm>
             <a:off x="6553080" y="6356520"/>
-            <a:ext cx="2131920" cy="363240"/>
+            <a:ext cx="2131200" cy="362520"/>
           </a:xfrm>
           <a:prstGeom prst="rect">
             <a:avLst/>
@@ -4422,7 +4164,7 @@
                 <a:tab algn="l" pos="0"/>
               </a:tabLst>
             </a:pPr>
-            <a:fld id="{A72C803A-71DD-4B34-8AF3-18EAEDB1AE82}" type="slidenum">
+            <a:fld id="{DDE94521-39AC-4AF2-9840-45D80F4FBA04}" type="slidenum">
               <a:rPr b="0" lang="en-US" sz="1200" spc="-1" strike="noStrike">
                 <a:solidFill>
                   <a:srgbClr val="888888"/>
@@ -4447,7 +4189,7 @@
         <p:spPr>
           <a:xfrm>
             <a:off x="2590920" y="1905120"/>
-            <a:ext cx="1557000" cy="225360"/>
+            <a:ext cx="1556280" cy="224640"/>
           </a:xfrm>
           <a:prstGeom prst="rect">
             <a:avLst/>
@@ -4473,7 +4215,7 @@
         <p:spPr>
           <a:xfrm>
             <a:off x="3886200" y="1905120"/>
-            <a:ext cx="1557000" cy="439920"/>
+            <a:ext cx="1556280" cy="439920"/>
           </a:xfrm>
           <a:prstGeom prst="rect">
             <a:avLst/>
@@ -4695,7 +4437,7 @@
                           <a:latin typeface="Arial"/>
                           <a:ea typeface="Arial"/>
                         </a:rPr>
-                        <a:t>Ran high resolution colliding bubble simulations on ISAAC</a:t>
+                        <a:t>Low resolution simulation verification</a:t>
                       </a:r>
                       <a:endParaRPr b="0" lang="en-US" sz="1200" spc="-1" strike="noStrike">
                         <a:latin typeface="Arial"/>
@@ -4775,32 +4517,7 @@
                           <a:latin typeface="Arial"/>
                           <a:ea typeface="Arial"/>
                         </a:rPr>
-                        <a:t>Finished high resolution simulations</a:t>
-                      </a:r>
-                      <a:endParaRPr b="0" lang="en-US" sz="1200" spc="-1" strike="noStrike">
-                        <a:latin typeface="Arial"/>
-                      </a:endParaRPr>
-                    </a:p>
-                    <a:p>
-                      <a:pPr marL="285840" indent="-285840">
-                        <a:lnSpc>
-                          <a:spcPct val="100000"/>
-                        </a:lnSpc>
-                        <a:buClr>
-                          <a:srgbClr val="000000"/>
-                        </a:buClr>
-                        <a:buFont typeface="Arial"/>
-                        <a:buChar char="•"/>
-                      </a:pPr>
-                      <a:r>
-                        <a:rPr b="0" lang="en-US" sz="1200" spc="-1" strike="noStrike">
-                          <a:solidFill>
-                            <a:srgbClr val="000000"/>
-                          </a:solidFill>
-                          <a:latin typeface="Arial"/>
-                          <a:ea typeface="Arial"/>
-                        </a:rPr>
-                        <a:t>Worked with Preetam on new Li-ion Ragone visualizer</a:t>
+                        <a:t>Speak with Anirban and Tom about the website</a:t>
                       </a:r>
                       <a:endParaRPr b="0" lang="en-US" sz="1200" spc="-1" strike="noStrike">
                         <a:latin typeface="Arial"/>
@@ -4847,32 +4564,7 @@
                           <a:latin typeface="Arial"/>
                           <a:ea typeface="Arial"/>
                         </a:rPr>
-                        <a:t>Finish visualizer </a:t>
-                      </a:r>
-                      <a:endParaRPr b="0" lang="en-US" sz="1200" spc="-1" strike="noStrike">
-                        <a:latin typeface="Arial"/>
-                      </a:endParaRPr>
-                    </a:p>
-                    <a:p>
-                      <a:pPr marL="285840" indent="-285840">
-                        <a:lnSpc>
-                          <a:spcPct val="100000"/>
-                        </a:lnSpc>
-                        <a:buClr>
-                          <a:srgbClr val="000000"/>
-                        </a:buClr>
-                        <a:buFont typeface="Arial"/>
-                        <a:buChar char="•"/>
-                      </a:pPr>
-                      <a:r>
-                        <a:rPr b="0" lang="en-US" sz="1200" spc="-1" strike="noStrike">
-                          <a:solidFill>
-                            <a:srgbClr val="000000"/>
-                          </a:solidFill>
-                          <a:latin typeface="Arial"/>
-                          <a:ea typeface="Arial"/>
-                        </a:rPr>
-                        <a:t>Re-verify low resolution parameters</a:t>
+                        <a:t>Work with Tom and Anirban on website</a:t>
                       </a:r>
                       <a:endParaRPr b="0" lang="en-US" sz="1200" spc="-1" strike="noStrike">
                         <a:latin typeface="Arial"/>
@@ -5015,7 +4707,7 @@
         <p:spPr>
           <a:xfrm>
             <a:off x="6553080" y="6356520"/>
-            <a:ext cx="2131920" cy="363240"/>
+            <a:ext cx="2131200" cy="362520"/>
           </a:xfrm>
           <a:prstGeom prst="rect">
             <a:avLst/>
@@ -5057,7 +4749,7 @@
                 <a:tab algn="l" pos="0"/>
               </a:tabLst>
             </a:pPr>
-            <a:fld id="{7E8E4F6C-5AE3-4145-933E-DD782FF54279}" type="slidenum">
+            <a:fld id="{A9A41B8E-E5CE-461D-9578-0BCBC8333686}" type="slidenum">
               <a:rPr b="0" lang="en-US" sz="1200" spc="-1" strike="noStrike">
                 <a:solidFill>
                   <a:srgbClr val="888888"/>
@@ -5085,8 +4777,8 @@
         </p:blipFill>
         <p:spPr>
           <a:xfrm rot="21597600">
-            <a:off x="685800" y="877680"/>
-            <a:ext cx="4530240" cy="3690360"/>
+            <a:off x="685080" y="876960"/>
+            <a:ext cx="4529520" cy="3689640"/>
           </a:xfrm>
           <a:prstGeom prst="rect">
             <a:avLst/>
@@ -5105,7 +4797,7 @@
         <p:spPr>
           <a:xfrm>
             <a:off x="5487120" y="914400"/>
-            <a:ext cx="3199680" cy="857520"/>
+            <a:ext cx="3198960" cy="856800"/>
           </a:xfrm>
           <a:prstGeom prst="rect">
             <a:avLst/>
@@ -5509,6 +5201,34 @@
                         <a:latin typeface="Arial"/>
                       </a:endParaRPr>
                     </a:p>
+                    <a:p>
+                      <a:pPr>
+                        <a:lnSpc>
+                          <a:spcPct val="100000"/>
+                        </a:lnSpc>
+                        <a:buNone/>
+                      </a:pPr>
+                      <a:endParaRPr b="0" lang="en-US" sz="1500" spc="-1" strike="noStrike">
+                        <a:latin typeface="Arial"/>
+                      </a:endParaRPr>
+                    </a:p>
+                    <a:p>
+                      <a:pPr>
+                        <a:lnSpc>
+                          <a:spcPct val="100000"/>
+                        </a:lnSpc>
+                        <a:buNone/>
+                      </a:pPr>
+                      <a:r>
+                        <a:rPr b="0" lang="en-US" sz="1500" spc="-1" strike="noStrike">
+                          <a:latin typeface="Arial"/>
+                        </a:rPr>
+                        <a:t>1</a:t>
+                      </a:r>
+                      <a:endParaRPr b="0" lang="en-US" sz="1500" spc="-1" strike="noStrike">
+                        <a:latin typeface="Arial"/>
+                      </a:endParaRPr>
+                    </a:p>
                   </a:txBody>
                   <a:tcPr anchor="t" marL="90000" marR="90000">
                     <a:lnL w="720">
@@ -5558,6 +5278,34 @@
                         <a:latin typeface="Arial"/>
                       </a:endParaRPr>
                     </a:p>
+                    <a:p>
+                      <a:pPr>
+                        <a:lnSpc>
+                          <a:spcPct val="100000"/>
+                        </a:lnSpc>
+                        <a:buNone/>
+                      </a:pPr>
+                      <a:endParaRPr b="0" lang="en-US" sz="1500" spc="-1" strike="noStrike">
+                        <a:latin typeface="Arial"/>
+                      </a:endParaRPr>
+                    </a:p>
+                    <a:p>
+                      <a:pPr>
+                        <a:lnSpc>
+                          <a:spcPct val="100000"/>
+                        </a:lnSpc>
+                        <a:buNone/>
+                      </a:pPr>
+                      <a:r>
+                        <a:rPr b="0" lang="en-US" sz="1500" spc="-1" strike="noStrike">
+                          <a:latin typeface="Arial"/>
+                        </a:rPr>
+                        <a:t>2</a:t>
+                      </a:r>
+                      <a:endParaRPr b="0" lang="en-US" sz="1500" spc="-1" strike="noStrike">
+                        <a:latin typeface="Arial"/>
+                      </a:endParaRPr>
+                    </a:p>
                   </a:txBody>
                   <a:tcPr anchor="t" marL="90000" marR="90000">
                     <a:lnL w="720">
@@ -5627,61 +5375,12 @@
                         <a:buNone/>
                       </a:pPr>
                       <a:r>
-                        <a:rPr b="0" lang="en-US" sz="1800" spc="-1" strike="noStrike">
+                        <a:rPr b="0" lang="en-US" sz="1600" spc="-1" strike="noStrike">
                           <a:latin typeface="Arial"/>
                         </a:rPr>
                         <a:t>8</a:t>
                       </a:r>
-                      <a:endParaRPr b="0" lang="en-US" sz="1800" spc="-1" strike="noStrike">
-                        <a:latin typeface="Arial"/>
-                      </a:endParaRPr>
-                    </a:p>
-                  </a:txBody>
-                  <a:tcPr anchor="t" marL="90000" marR="90000">
-                    <a:lnL w="720">
-                      <a:solidFill>
-                        <a:srgbClr val="ffffff"/>
-                      </a:solidFill>
-                    </a:lnL>
-                    <a:lnR w="720">
-                      <a:solidFill>
-                        <a:srgbClr val="ffffff"/>
-                      </a:solidFill>
-                    </a:lnR>
-                    <a:lnT w="720">
-                      <a:solidFill>
-                        <a:srgbClr val="ffffff"/>
-                      </a:solidFill>
-                    </a:lnT>
-                    <a:lnB w="720">
-                      <a:solidFill>
-                        <a:srgbClr val="ffffff"/>
-                      </a:solidFill>
-                    </a:lnB>
-                    <a:solidFill>
-                      <a:srgbClr val="e6e6e6"/>
-                    </a:solidFill>
-                  </a:tcPr>
-                </a:tc>
-                <a:tc>
-                  <a:txBody>
-                    <a:bodyPr lIns="90000" rIns="90000" anchor="t">
-                      <a:noAutofit/>
-                    </a:bodyPr>
-                    <a:p>
-                      <a:pPr>
-                        <a:lnSpc>
-                          <a:spcPct val="100000"/>
-                        </a:lnSpc>
-                        <a:buNone/>
-                      </a:pPr>
-                      <a:r>
-                        <a:rPr b="0" lang="en-US" sz="1800" spc="-1" strike="noStrike">
-                          <a:latin typeface="Arial"/>
-                        </a:rPr>
-                        <a:t>failed</a:t>
-                      </a:r>
-                      <a:endParaRPr b="0" lang="en-US" sz="1800" spc="-1" strike="noStrike">
+                      <a:endParaRPr b="0" lang="en-US" sz="1600" spc="-1" strike="noStrike">
                         <a:latin typeface="Arial"/>
                       </a:endParaRPr>
                     </a:p>
@@ -5734,6 +5433,111 @@
                         <a:latin typeface="Arial"/>
                       </a:endParaRPr>
                     </a:p>
+                    <a:p>
+                      <a:pPr>
+                        <a:lnSpc>
+                          <a:spcPct val="100000"/>
+                        </a:lnSpc>
+                        <a:buNone/>
+                      </a:pPr>
+                      <a:endParaRPr b="0" lang="en-US" sz="1600" spc="-1" strike="noStrike">
+                        <a:latin typeface="Arial"/>
+                      </a:endParaRPr>
+                    </a:p>
+                    <a:p>
+                      <a:pPr>
+                        <a:lnSpc>
+                          <a:spcPct val="100000"/>
+                        </a:lnSpc>
+                        <a:buNone/>
+                      </a:pPr>
+                      <a:r>
+                        <a:rPr b="0" lang="en-US" sz="1600" spc="-1" strike="noStrike">
+                          <a:latin typeface="Arial"/>
+                        </a:rPr>
+                        <a:t>3</a:t>
+                      </a:r>
+                      <a:endParaRPr b="0" lang="en-US" sz="1600" spc="-1" strike="noStrike">
+                        <a:latin typeface="Arial"/>
+                      </a:endParaRPr>
+                    </a:p>
+                  </a:txBody>
+                  <a:tcPr anchor="t" marL="90000" marR="90000">
+                    <a:lnL w="720">
+                      <a:solidFill>
+                        <a:srgbClr val="ffffff"/>
+                      </a:solidFill>
+                    </a:lnL>
+                    <a:lnR w="720">
+                      <a:solidFill>
+                        <a:srgbClr val="ffffff"/>
+                      </a:solidFill>
+                    </a:lnR>
+                    <a:lnT w="720">
+                      <a:solidFill>
+                        <a:srgbClr val="ffffff"/>
+                      </a:solidFill>
+                    </a:lnT>
+                    <a:lnB w="720">
+                      <a:solidFill>
+                        <a:srgbClr val="ffffff"/>
+                      </a:solidFill>
+                    </a:lnB>
+                    <a:solidFill>
+                      <a:srgbClr val="e6e6e6"/>
+                    </a:solidFill>
+                  </a:tcPr>
+                </a:tc>
+                <a:tc>
+                  <a:txBody>
+                    <a:bodyPr lIns="90000" rIns="90000" anchor="t">
+                      <a:noAutofit/>
+                    </a:bodyPr>
+                    <a:p>
+                      <a:pPr>
+                        <a:lnSpc>
+                          <a:spcPct val="100000"/>
+                        </a:lnSpc>
+                        <a:buNone/>
+                      </a:pPr>
+                      <a:r>
+                        <a:rPr b="0" lang="en-US" sz="1600" spc="-1" strike="noStrike">
+                          <a:latin typeface="Arial"/>
+                        </a:rPr>
+                        <a:t>Failed</a:t>
+                      </a:r>
+                      <a:endParaRPr b="0" lang="en-US" sz="1600" spc="-1" strike="noStrike">
+                        <a:latin typeface="Arial"/>
+                      </a:endParaRPr>
+                    </a:p>
+                    <a:p>
+                      <a:pPr>
+                        <a:lnSpc>
+                          <a:spcPct val="100000"/>
+                        </a:lnSpc>
+                        <a:buNone/>
+                      </a:pPr>
+                      <a:endParaRPr b="0" lang="en-US" sz="1500" spc="-1" strike="noStrike">
+                        <a:latin typeface="Arial"/>
+                      </a:endParaRPr>
+                    </a:p>
+                    <a:p>
+                      <a:pPr>
+                        <a:lnSpc>
+                          <a:spcPct val="100000"/>
+                        </a:lnSpc>
+                        <a:buNone/>
+                      </a:pPr>
+                      <a:r>
+                        <a:rPr b="0" lang="en-US" sz="1500" spc="-1" strike="noStrike">
+                          <a:latin typeface="Arial"/>
+                        </a:rPr>
+                        <a:t>4</a:t>
+                      </a:r>
+                      <a:endParaRPr b="0" lang="en-US" sz="1500" spc="-1" strike="noStrike">
+                        <a:latin typeface="Arial"/>
+                      </a:endParaRPr>
+                    </a:p>
                   </a:txBody>
                   <a:tcPr anchor="t" marL="90000" marR="90000">
                     <a:lnL w="720">
@@ -5776,12 +5580,12 @@
                         <a:buNone/>
                       </a:pPr>
                       <a:r>
-                        <a:rPr b="0" lang="en-US" sz="1800" spc="-1" strike="noStrike">
+                        <a:rPr b="0" lang="en-US" sz="1600" spc="-1" strike="noStrike">
                           <a:latin typeface="Arial"/>
                         </a:rPr>
                         <a:t>256</a:t>
                       </a:r>
-                      <a:endParaRPr b="0" lang="en-US" sz="1800" spc="-1" strike="noStrike">
+                      <a:endParaRPr b="0" lang="en-US" sz="1600" spc="-1" strike="noStrike">
                         <a:latin typeface="Arial"/>
                       </a:endParaRPr>
                     </a:p>
@@ -5825,12 +5629,12 @@
                         <a:buNone/>
                       </a:pPr>
                       <a:r>
-                        <a:rPr b="0" lang="en-US" sz="1800" spc="-1" strike="noStrike">
+                        <a:rPr b="0" lang="en-US" sz="1600" spc="-1" strike="noStrike">
                           <a:latin typeface="Arial"/>
                         </a:rPr>
                         <a:t>64</a:t>
                       </a:r>
-                      <a:endParaRPr b="0" lang="en-US" sz="1800" spc="-1" strike="noStrike">
+                      <a:endParaRPr b="0" lang="en-US" sz="1600" spc="-1" strike="noStrike">
                         <a:latin typeface="Arial"/>
                       </a:endParaRPr>
                     </a:p>
@@ -5874,12 +5678,40 @@
                         <a:buNone/>
                       </a:pPr>
                       <a:r>
-                        <a:rPr b="0" lang="en-US" sz="1800" spc="-1" strike="noStrike">
+                        <a:rPr b="0" lang="en-US" sz="1600" spc="-1" strike="noStrike">
                           <a:latin typeface="Arial"/>
                         </a:rPr>
                         <a:t>.24902</a:t>
                       </a:r>
-                      <a:endParaRPr b="0" lang="en-US" sz="1800" spc="-1" strike="noStrike">
+                      <a:endParaRPr b="0" lang="en-US" sz="1600" spc="-1" strike="noStrike">
+                        <a:latin typeface="Arial"/>
+                      </a:endParaRPr>
+                    </a:p>
+                    <a:p>
+                      <a:pPr>
+                        <a:lnSpc>
+                          <a:spcPct val="100000"/>
+                        </a:lnSpc>
+                        <a:buNone/>
+                      </a:pPr>
+                      <a:endParaRPr b="0" lang="en-US" sz="1600" spc="-1" strike="noStrike">
+                        <a:latin typeface="Arial"/>
+                      </a:endParaRPr>
+                    </a:p>
+                    <a:p>
+                      <a:pPr>
+                        <a:lnSpc>
+                          <a:spcPct val="100000"/>
+                        </a:lnSpc>
+                        <a:buNone/>
+                      </a:pPr>
+                      <a:r>
+                        <a:rPr b="0" lang="en-US" sz="1600" spc="-1" strike="noStrike">
+                          <a:latin typeface="Arial"/>
+                        </a:rPr>
+                        <a:t>5</a:t>
+                      </a:r>
+                      <a:endParaRPr b="0" lang="en-US" sz="1600" spc="-1" strike="noStrike">
                         <a:latin typeface="Arial"/>
                       </a:endParaRPr>
                     </a:p>
@@ -5916,13 +5748,47 @@
                       <a:noAutofit/>
                     </a:bodyPr>
                     <a:p>
+                      <a:pPr>
+                        <a:lnSpc>
+                          <a:spcPct val="100000"/>
+                        </a:lnSpc>
+                        <a:buNone/>
+                      </a:pPr>
                       <a:r>
-                        <a:rPr b="0" lang="en-US" sz="1800" spc="-1" strike="noStrike">
+                        <a:rPr b="0" lang="en-US" sz="1600" spc="-1" strike="noStrike">
                           <a:latin typeface="Arial"/>
                         </a:rPr>
                         <a:t>.24902</a:t>
                       </a:r>
-                      <a:endParaRPr b="0" lang="en-US" sz="1800" spc="-1" strike="noStrike">
+                      <a:endParaRPr b="0" lang="en-US" sz="1600" spc="-1" strike="noStrike">
+                        <a:latin typeface="Arial"/>
+                      </a:endParaRPr>
+                    </a:p>
+                    <a:p>
+                      <a:pPr>
+                        <a:lnSpc>
+                          <a:spcPct val="100000"/>
+                        </a:lnSpc>
+                        <a:buNone/>
+                      </a:pPr>
+                      <a:endParaRPr b="0" lang="en-US" sz="1600" spc="-1" strike="noStrike">
+                        <a:latin typeface="Arial"/>
+                      </a:endParaRPr>
+                    </a:p>
+                    <a:p>
+                      <a:pPr>
+                        <a:lnSpc>
+                          <a:spcPct val="100000"/>
+                        </a:lnSpc>
+                        <a:buNone/>
+                      </a:pPr>
+                      <a:r>
+                        <a:rPr b="0" lang="en-US" sz="1600" spc="-1" strike="noStrike">
+                          <a:latin typeface="Arial"/>
+                        </a:rPr>
+                        <a:t>6</a:t>
+                      </a:r>
+                      <a:endParaRPr b="0" lang="en-US" sz="1600" spc="-1" strike="noStrike">
                         <a:latin typeface="Arial"/>
                       </a:endParaRPr>
                     </a:p>
@@ -5995,12 +5861,12 @@
                         <a:buNone/>
                       </a:pPr>
                       <a:r>
-                        <a:rPr b="0" lang="en-US" sz="1800" spc="-1" strike="noStrike">
+                        <a:rPr b="0" lang="en-US" sz="1600" spc="-1" strike="noStrike">
                           <a:latin typeface="Arial"/>
                         </a:rPr>
                         <a:t>32</a:t>
                       </a:r>
-                      <a:endParaRPr b="0" lang="en-US" sz="1800" spc="-1" strike="noStrike">
+                      <a:endParaRPr b="0" lang="en-US" sz="1600" spc="-1" strike="noStrike">
                         <a:latin typeface="Arial"/>
                       </a:endParaRPr>
                     </a:p>
@@ -6044,12 +5910,40 @@
                         <a:buNone/>
                       </a:pPr>
                       <a:r>
-                        <a:rPr b="0" lang="en-US" sz="1400" spc="-1" strike="noStrike">
+                        <a:rPr b="0" lang="en-US" sz="1600" spc="-1" strike="noStrike">
                           <a:latin typeface="Arial"/>
                         </a:rPr>
                         <a:t>.00067-.000665</a:t>
                       </a:r>
-                      <a:endParaRPr b="0" lang="en-US" sz="1400" spc="-1" strike="noStrike">
+                      <a:endParaRPr b="0" lang="en-US" sz="1600" spc="-1" strike="noStrike">
+                        <a:latin typeface="Arial"/>
+                      </a:endParaRPr>
+                    </a:p>
+                    <a:p>
+                      <a:pPr>
+                        <a:lnSpc>
+                          <a:spcPct val="100000"/>
+                        </a:lnSpc>
+                        <a:buNone/>
+                      </a:pPr>
+                      <a:endParaRPr b="0" lang="en-US" sz="1600" spc="-1" strike="noStrike">
+                        <a:latin typeface="Arial"/>
+                      </a:endParaRPr>
+                    </a:p>
+                    <a:p>
+                      <a:pPr>
+                        <a:lnSpc>
+                          <a:spcPct val="100000"/>
+                        </a:lnSpc>
+                        <a:buNone/>
+                      </a:pPr>
+                      <a:r>
+                        <a:rPr b="0" lang="en-US" sz="1600" spc="-1" strike="noStrike">
+                          <a:latin typeface="Arial"/>
+                        </a:rPr>
+                        <a:t>7</a:t>
+                      </a:r>
+                      <a:endParaRPr b="0" lang="en-US" sz="1600" spc="-1" strike="noStrike">
                         <a:latin typeface="Arial"/>
                       </a:endParaRPr>
                     </a:p>
@@ -6093,12 +5987,51 @@
                         <a:buNone/>
                       </a:pPr>
                       <a:r>
-                        <a:rPr b="0" lang="en-US" sz="1800" spc="-1" strike="noStrike">
+                        <a:rPr b="0" lang="en-US" sz="1600" spc="-1" strike="noStrike">
                           <a:latin typeface="Arial"/>
                         </a:rPr>
                         <a:t>.24902</a:t>
                       </a:r>
-                      <a:endParaRPr b="0" lang="en-US" sz="1800" spc="-1" strike="noStrike">
+                      <a:endParaRPr b="0" lang="en-US" sz="1600" spc="-1" strike="noStrike">
+                        <a:latin typeface="Arial"/>
+                      </a:endParaRPr>
+                    </a:p>
+                    <a:p>
+                      <a:pPr>
+                        <a:lnSpc>
+                          <a:spcPct val="100000"/>
+                        </a:lnSpc>
+                        <a:buNone/>
+                      </a:pPr>
+                      <a:endParaRPr b="0" lang="en-US" sz="1600" spc="-1" strike="noStrike">
+                        <a:latin typeface="Arial"/>
+                      </a:endParaRPr>
+                    </a:p>
+                    <a:p>
+                      <a:pPr>
+                        <a:lnSpc>
+                          <a:spcPct val="100000"/>
+                        </a:lnSpc>
+                        <a:buNone/>
+                      </a:pPr>
+                      <a:endParaRPr b="0" lang="en-US" sz="1600" spc="-1" strike="noStrike">
+                        <a:latin typeface="Arial"/>
+                      </a:endParaRPr>
+                    </a:p>
+                    <a:p>
+                      <a:pPr>
+                        <a:lnSpc>
+                          <a:spcPct val="100000"/>
+                        </a:lnSpc>
+                        <a:buNone/>
+                      </a:pPr>
+                      <a:r>
+                        <a:rPr b="0" lang="en-US" sz="1600" spc="-1" strike="noStrike">
+                          <a:latin typeface="Arial"/>
+                        </a:rPr>
+                        <a:t>8</a:t>
+                      </a:r>
+                      <a:endParaRPr b="0" lang="en-US" sz="1600" spc="-1" strike="noStrike">
                         <a:latin typeface="Arial"/>
                       </a:endParaRPr>
                     </a:p>
@@ -6134,2104 +6067,6 @@
           </a:graphicData>
         </a:graphic>
       </p:graphicFrame>
-    </p:spTree>
-  </p:cSld>
-  <p:transition>
-    <p:push dir="l"/>
-  </p:transition>
-</p:sld>
-</file>
-
-<file path=ppt/slides/slide3.xml><?xml version="1.0" encoding="utf-8"?>
-<p:sld xmlns:a="http://schemas.openxmlformats.org/drawingml/2006/main" xmlns:p="http://schemas.openxmlformats.org/presentationml/2006/main" xmlns:r="http://schemas.openxmlformats.org/officeDocument/2006/relationships" xmlns:p14="http://schemas.microsoft.com/office/powerpoint/2010/main" xmlns:p15="http://schemas.microsoft.com/office/powerpoint/2012/main" xmlns:mc="http://schemas.openxmlformats.org/markup-compatibility/2006">
-  <p:cSld>
-    <p:spTree>
-      <p:nvGrpSpPr>
-        <p:cNvPr id="1" name=""/>
-        <p:cNvGrpSpPr/>
-        <p:nvPr/>
-      </p:nvGrpSpPr>
-      <p:grpSpPr>
-        <a:xfrm>
-          <a:off x="0" y="0"/>
-          <a:ext cx="0" cy="0"/>
-          <a:chOff x="0" y="0"/>
-          <a:chExt cx="0" cy="0"/>
-        </a:xfrm>
-      </p:grpSpPr>
-      <p:graphicFrame>
-        <p:nvGraphicFramePr>
-          <p:cNvPr id="65" name="Google Shape;92;p 2"/>
-          <p:cNvGraphicFramePr/>
-          <p:nvPr/>
-        </p:nvGraphicFramePr>
-        <p:xfrm>
-          <a:off x="726840" y="315000"/>
-          <a:ext cx="7664040" cy="288000"/>
-        </p:xfrm>
-        <a:graphic>
-          <a:graphicData uri="http://schemas.openxmlformats.org/drawingml/2006/table">
-            <a:tbl>
-              <a:tblPr/>
-              <a:tblGrid>
-                <a:gridCol w="7664400"/>
-              </a:tblGrid>
-              <a:tr h="288360">
-                <a:tc>
-                  <a:txBody>
-                    <a:bodyPr lIns="72000" anchor="ctr">
-                      <a:noAutofit/>
-                    </a:bodyPr>
-                    <a:p>
-                      <a:pPr>
-                        <a:lnSpc>
-                          <a:spcPct val="100000"/>
-                        </a:lnSpc>
-                        <a:buNone/>
-                        <a:tabLst>
-                          <a:tab algn="l" pos="0"/>
-                        </a:tabLst>
-                      </a:pPr>
-                      <a:r>
-                        <a:rPr b="0" lang="en-US" sz="1800" spc="-1" strike="noStrike">
-                          <a:solidFill>
-                            <a:srgbClr val="000000"/>
-                          </a:solidFill>
-                          <a:latin typeface="Times New Roman"/>
-                          <a:ea typeface="Times New Roman"/>
-                        </a:rPr>
-                        <a:t>High resolution simulations did not change volume</a:t>
-                      </a:r>
-                      <a:endParaRPr b="0" lang="en-US" sz="1800" spc="-1" strike="noStrike">
-                        <a:latin typeface="Arial"/>
-                      </a:endParaRPr>
-                    </a:p>
-                  </a:txBody>
-                  <a:tcPr anchor="ctr" marL="72000" marR="91440">
-                    <a:lnL w="12240">
-                      <a:solidFill>
-                        <a:srgbClr val="808080"/>
-                      </a:solidFill>
-                    </a:lnL>
-                    <a:lnR w="12240">
-                      <a:solidFill>
-                        <a:srgbClr val="808080"/>
-                      </a:solidFill>
-                    </a:lnR>
-                    <a:lnT w="12240">
-                      <a:solidFill>
-                        <a:srgbClr val="808080"/>
-                      </a:solidFill>
-                    </a:lnT>
-                    <a:lnB w="12240">
-                      <a:solidFill>
-                        <a:srgbClr val="808080"/>
-                      </a:solidFill>
-                    </a:lnB>
-                    <a:noFill/>
-                  </a:tcPr>
-                </a:tc>
-              </a:tr>
-            </a:tbl>
-          </a:graphicData>
-        </a:graphic>
-      </p:graphicFrame>
-      <p:sp>
-        <p:nvSpPr>
-          <p:cNvPr id="66" name="PlaceHolder 1"/>
-          <p:cNvSpPr>
-            <a:spLocks noGrp="1"/>
-          </p:cNvSpPr>
-          <p:nvPr>
-            <p:ph type="sldNum" idx="9"/>
-          </p:nvPr>
-        </p:nvSpPr>
-        <p:spPr>
-          <a:xfrm>
-            <a:off x="6553080" y="6356520"/>
-            <a:ext cx="2131920" cy="363240"/>
-          </a:xfrm>
-          <a:prstGeom prst="rect">
-            <a:avLst/>
-          </a:prstGeom>
-          <a:noFill/>
-          <a:ln w="0">
-            <a:noFill/>
-          </a:ln>
-        </p:spPr>
-        <p:txBody>
-          <a:bodyPr lIns="90000" rIns="90000" tIns="45000" bIns="45000" anchor="ctr">
-            <a:noAutofit/>
-          </a:bodyPr>
-          <a:lstStyle>
-            <a:lvl1pPr algn="r">
-              <a:lnSpc>
-                <a:spcPct val="100000"/>
-              </a:lnSpc>
-              <a:buNone/>
-              <a:tabLst>
-                <a:tab algn="l" pos="0"/>
-              </a:tabLst>
-              <a:defRPr b="0" lang="en-US" sz="1200" spc="-1" strike="noStrike">
-                <a:solidFill>
-                  <a:srgbClr val="888888"/>
-                </a:solidFill>
-                <a:latin typeface="Calibri"/>
-                <a:ea typeface="Calibri"/>
-              </a:defRPr>
-            </a:lvl1pPr>
-          </a:lstStyle>
-          <a:p>
-            <a:pPr algn="r">
-              <a:lnSpc>
-                <a:spcPct val="100000"/>
-              </a:lnSpc>
-              <a:buNone/>
-              <a:tabLst>
-                <a:tab algn="l" pos="0"/>
-              </a:tabLst>
-            </a:pPr>
-            <a:fld id="{0A1275AA-6C4E-47B1-8418-6D5A0D9E2667}" type="slidenum">
-              <a:rPr b="0" lang="en-US" sz="1200" spc="-1" strike="noStrike">
-                <a:solidFill>
-                  <a:srgbClr val="888888"/>
-                </a:solidFill>
-                <a:latin typeface="Calibri"/>
-                <a:ea typeface="Calibri"/>
-              </a:rPr>
-              <a:t>&lt;number&gt;</a:t>
-            </a:fld>
-            <a:endParaRPr b="0" lang="en-US" sz="1200" spc="-1" strike="noStrike">
-              <a:latin typeface="Times New Roman"/>
-            </a:endParaRPr>
-          </a:p>
-        </p:txBody>
-      </p:sp>
-      <p:sp>
-        <p:nvSpPr>
-          <p:cNvPr id="67" name=""/>
-          <p:cNvSpPr/>
-          <p:nvPr/>
-        </p:nvSpPr>
-        <p:spPr>
-          <a:xfrm>
-            <a:off x="5486400" y="914400"/>
-            <a:ext cx="3199680" cy="857520"/>
-          </a:xfrm>
-          <a:prstGeom prst="rect">
-            <a:avLst/>
-          </a:prstGeom>
-          <a:noFill/>
-          <a:ln w="0">
-            <a:noFill/>
-          </a:ln>
-        </p:spPr>
-        <p:style>
-          <a:lnRef idx="0"/>
-          <a:fillRef idx="0"/>
-          <a:effectRef idx="0"/>
-          <a:fontRef idx="minor"/>
-        </p:style>
-        <p:txBody>
-          <a:bodyPr lIns="90000" rIns="90000" tIns="45000" bIns="45000" anchor="t">
-            <a:noAutofit/>
-          </a:bodyPr>
-          <a:p>
-            <a:pPr>
-              <a:lnSpc>
-                <a:spcPct val="100000"/>
-              </a:lnSpc>
-              <a:buNone/>
-            </a:pPr>
-            <a:endParaRPr b="0" lang="en-US" sz="1800" spc="-1" strike="noStrike">
-              <a:latin typeface="Arial"/>
-            </a:endParaRPr>
-          </a:p>
-          <a:p>
-            <a:pPr>
-              <a:lnSpc>
-                <a:spcPct val="100000"/>
-              </a:lnSpc>
-              <a:buNone/>
-            </a:pPr>
-            <a:endParaRPr b="0" lang="en-US" sz="1800" spc="-1" strike="noStrike">
-              <a:latin typeface="Arial"/>
-            </a:endParaRPr>
-          </a:p>
-          <a:p>
-            <a:pPr>
-              <a:lnSpc>
-                <a:spcPct val="100000"/>
-              </a:lnSpc>
-              <a:buNone/>
-            </a:pPr>
-            <a:endParaRPr b="0" lang="en-US" sz="1800" spc="-1" strike="noStrike">
-              <a:latin typeface="Arial"/>
-            </a:endParaRPr>
-          </a:p>
-        </p:txBody>
-      </p:sp>
-      <p:sp>
-        <p:nvSpPr>
-          <p:cNvPr id="68" name=""/>
-          <p:cNvSpPr/>
-          <p:nvPr/>
-        </p:nvSpPr>
-        <p:spPr>
-          <a:xfrm>
-            <a:off x="685800" y="844200"/>
-            <a:ext cx="7772040" cy="1670040"/>
-          </a:xfrm>
-          <a:prstGeom prst="rect">
-            <a:avLst/>
-          </a:prstGeom>
-          <a:noFill/>
-          <a:ln w="0">
-            <a:noFill/>
-          </a:ln>
-        </p:spPr>
-        <p:style>
-          <a:lnRef idx="0"/>
-          <a:fillRef idx="0"/>
-          <a:effectRef idx="0"/>
-          <a:fontRef idx="minor"/>
-        </p:style>
-      </p:sp>
-      <p:sp>
-        <p:nvSpPr>
-          <p:cNvPr id="69" name=""/>
-          <p:cNvSpPr txBox="1"/>
-          <p:nvPr/>
-        </p:nvSpPr>
-        <p:spPr>
-          <a:xfrm>
-            <a:off x="686160" y="915120"/>
-            <a:ext cx="8001000" cy="1246320"/>
-          </a:xfrm>
-          <a:prstGeom prst="rect">
-            <a:avLst/>
-          </a:prstGeom>
-          <a:noFill/>
-          <a:ln w="0">
-            <a:noFill/>
-          </a:ln>
-        </p:spPr>
-        <p:txBody>
-          <a:bodyPr lIns="90000" rIns="90000" tIns="45000" bIns="45000" anchor="t">
-            <a:noAutofit/>
-          </a:bodyPr>
-          <a:p>
-            <a:pPr marL="216000" indent="-216000">
-              <a:buClr>
-                <a:srgbClr val="000000"/>
-              </a:buClr>
-              <a:buSzPct val="45000"/>
-              <a:buFont typeface="Wingdings" charset="2"/>
-              <a:buChar char=""/>
-            </a:pPr>
-            <a:r>
-              <a:rPr b="0" lang="en-US" sz="1600" spc="-1" strike="noStrike">
-                <a:latin typeface="Times new roman"/>
-              </a:rPr>
-              <a:t>High resolution simulations held constant volume, however, most high resolution simulations failed before finishing and therefore did not reach steady state.</a:t>
-            </a:r>
-            <a:endParaRPr b="0" lang="en-US" sz="1600" spc="-1" strike="noStrike">
-              <a:latin typeface="Times new roman"/>
-            </a:endParaRPr>
-          </a:p>
-          <a:p>
-            <a:endParaRPr b="0" lang="en-US" sz="1800" spc="-1" strike="noStrike">
-              <a:latin typeface="Times new roman"/>
-            </a:endParaRPr>
-          </a:p>
-          <a:p>
-            <a:pPr lvl="1" marL="432000" indent="-216000">
-              <a:buClr>
-                <a:srgbClr val="000000"/>
-              </a:buClr>
-              <a:buSzPct val="45000"/>
-              <a:buFont typeface="Wingdings" charset="2"/>
-              <a:buChar char=""/>
-            </a:pPr>
-            <a:r>
-              <a:rPr b="0" lang="en-US" sz="1600" spc="-1" strike="noStrike">
-                <a:latin typeface="Times new roman"/>
-              </a:rPr>
-              <a:t>For the simulation that did finish, volume was NOT constant.  (high resolution, radius = res/8, Pe=1e-5) </a:t>
-            </a:r>
-            <a:endParaRPr b="0" lang="en-US" sz="1600" spc="-1" strike="noStrike">
-              <a:latin typeface="Times new roman"/>
-            </a:endParaRPr>
-          </a:p>
-        </p:txBody>
-      </p:sp>
-      <p:graphicFrame>
-        <p:nvGraphicFramePr>
-          <p:cNvPr id="70" name=""/>
-          <p:cNvGraphicFramePr/>
-          <p:nvPr/>
-        </p:nvGraphicFramePr>
-        <p:xfrm>
-          <a:off x="4194360" y="2483640"/>
-          <a:ext cx="3429000" cy="3599280"/>
-        </p:xfrm>
-        <a:graphic>
-          <a:graphicData uri="http://schemas.openxmlformats.org/drawingml/2006/table">
-            <a:tbl>
-              <a:tblPr/>
-              <a:tblGrid>
-                <a:gridCol w="627480"/>
-                <a:gridCol w="753120"/>
-                <a:gridCol w="1029960"/>
-                <a:gridCol w="1018800"/>
-              </a:tblGrid>
-              <a:tr h="719640">
-                <a:tc>
-                  <a:txBody>
-                    <a:bodyPr lIns="90000" rIns="90000" anchor="t">
-                      <a:noAutofit/>
-                    </a:bodyPr>
-                    <a:p>
-                      <a:pPr>
-                        <a:lnSpc>
-                          <a:spcPct val="100000"/>
-                        </a:lnSpc>
-                        <a:buNone/>
-                      </a:pPr>
-                      <a:r>
-                        <a:rPr b="0" lang="en-US" sz="1500" spc="-1" strike="noStrike">
-                          <a:latin typeface="Arial"/>
-                        </a:rPr>
-                        <a:t>Res:</a:t>
-                      </a:r>
-                      <a:endParaRPr b="0" lang="en-US" sz="1500" spc="-1" strike="noStrike">
-                        <a:latin typeface="Times New Roman"/>
-                      </a:endParaRPr>
-                    </a:p>
-                  </a:txBody>
-                  <a:tcPr anchor="t" marL="90000" marR="90000">
-                    <a:lnL w="720">
-                      <a:solidFill>
-                        <a:srgbClr val="ffffff"/>
-                      </a:solidFill>
-                    </a:lnL>
-                    <a:lnR w="720">
-                      <a:solidFill>
-                        <a:srgbClr val="ffffff"/>
-                      </a:solidFill>
-                    </a:lnR>
-                    <a:lnT w="720">
-                      <a:solidFill>
-                        <a:srgbClr val="ffffff"/>
-                      </a:solidFill>
-                    </a:lnT>
-                    <a:lnB w="720">
-                      <a:solidFill>
-                        <a:srgbClr val="ffffff"/>
-                      </a:solidFill>
-                    </a:lnB>
-                    <a:solidFill>
-                      <a:srgbClr val="b3b3b3"/>
-                    </a:solidFill>
-                  </a:tcPr>
-                </a:tc>
-                <a:tc>
-                  <a:txBody>
-                    <a:bodyPr lIns="90000" rIns="90000" anchor="t">
-                      <a:noAutofit/>
-                    </a:bodyPr>
-                    <a:p>
-                      <a:pPr>
-                        <a:lnSpc>
-                          <a:spcPct val="100000"/>
-                        </a:lnSpc>
-                        <a:buNone/>
-                      </a:pPr>
-                      <a:r>
-                        <a:rPr b="0" lang="en-US" sz="1300" spc="-1" strike="noStrike">
-                          <a:latin typeface="Arial"/>
-                        </a:rPr>
-                        <a:t>Radiu</a:t>
-                      </a:r>
-                      <a:r>
-                        <a:rPr b="0" lang="en-US" sz="1300" spc="-1" strike="noStrike">
-                          <a:latin typeface="Arial"/>
-                        </a:rPr>
-                        <a:t>s:</a:t>
-                      </a:r>
-                      <a:endParaRPr b="0" lang="en-US" sz="1300" spc="-1" strike="noStrike">
-                        <a:latin typeface="Times New Roman"/>
-                      </a:endParaRPr>
-                    </a:p>
-                  </a:txBody>
-                  <a:tcPr anchor="t" marL="90000" marR="90000">
-                    <a:lnL w="720">
-                      <a:solidFill>
-                        <a:srgbClr val="ffffff"/>
-                      </a:solidFill>
-                    </a:lnL>
-                    <a:lnR w="720">
-                      <a:solidFill>
-                        <a:srgbClr val="ffffff"/>
-                      </a:solidFill>
-                    </a:lnR>
-                    <a:lnT w="720">
-                      <a:solidFill>
-                        <a:srgbClr val="ffffff"/>
-                      </a:solidFill>
-                    </a:lnT>
-                    <a:lnB w="720">
-                      <a:solidFill>
-                        <a:srgbClr val="ffffff"/>
-                      </a:solidFill>
-                    </a:lnB>
-                    <a:solidFill>
-                      <a:srgbClr val="b3b3b3"/>
-                    </a:solidFill>
-                  </a:tcPr>
-                </a:tc>
-                <a:tc>
-                  <a:txBody>
-                    <a:bodyPr lIns="90000" rIns="90000" anchor="t">
-                      <a:noAutofit/>
-                    </a:bodyPr>
-                    <a:p>
-                      <a:pPr>
-                        <a:lnSpc>
-                          <a:spcPct val="100000"/>
-                        </a:lnSpc>
-                        <a:buNone/>
-                      </a:pPr>
-                      <a:r>
-                        <a:rPr b="0" lang="en-US" sz="1800" spc="-1" strike="noStrike">
-                          <a:latin typeface="Arial"/>
-                        </a:rPr>
-                        <a:t>1e-</a:t>
-                      </a:r>
-                      <a:r>
-                        <a:rPr b="0" lang="en-US" sz="1800" spc="-1" strike="noStrike">
-                          <a:latin typeface="Arial"/>
-                        </a:rPr>
-                        <a:t>5</a:t>
-                      </a:r>
-                      <a:endParaRPr b="0" lang="en-US" sz="1800" spc="-1" strike="noStrike">
-                        <a:latin typeface="Times New Roman"/>
-                      </a:endParaRPr>
-                    </a:p>
-                  </a:txBody>
-                  <a:tcPr anchor="t" marL="90000" marR="90000">
-                    <a:lnL w="720">
-                      <a:solidFill>
-                        <a:srgbClr val="ffffff"/>
-                      </a:solidFill>
-                    </a:lnL>
-                    <a:lnR w="720">
-                      <a:solidFill>
-                        <a:srgbClr val="ffffff"/>
-                      </a:solidFill>
-                    </a:lnR>
-                    <a:lnT w="720">
-                      <a:solidFill>
-                        <a:srgbClr val="ffffff"/>
-                      </a:solidFill>
-                    </a:lnT>
-                    <a:lnB w="720">
-                      <a:solidFill>
-                        <a:srgbClr val="ffffff"/>
-                      </a:solidFill>
-                    </a:lnB>
-                    <a:solidFill>
-                      <a:srgbClr val="b3b3b3"/>
-                    </a:solidFill>
-                  </a:tcPr>
-                </a:tc>
-                <a:tc>
-                  <a:txBody>
-                    <a:bodyPr lIns="90000" rIns="90000" anchor="t">
-                      <a:noAutofit/>
-                    </a:bodyPr>
-                    <a:p>
-                      <a:pPr>
-                        <a:lnSpc>
-                          <a:spcPct val="100000"/>
-                        </a:lnSpc>
-                        <a:buNone/>
-                      </a:pPr>
-                      <a:r>
-                        <a:rPr b="0" lang="en-US" sz="1800" spc="-1" strike="noStrike">
-                          <a:latin typeface="Arial"/>
-                        </a:rPr>
-                        <a:t>1e-</a:t>
-                      </a:r>
-                      <a:r>
-                        <a:rPr b="0" lang="en-US" sz="1800" spc="-1" strike="noStrike">
-                          <a:latin typeface="Arial"/>
-                        </a:rPr>
-                        <a:t>3</a:t>
-                      </a:r>
-                      <a:endParaRPr b="0" lang="en-US" sz="1800" spc="-1" strike="noStrike">
-                        <a:latin typeface="Times New Roman"/>
-                      </a:endParaRPr>
-                    </a:p>
-                  </a:txBody>
-                  <a:tcPr anchor="t" marL="90000" marR="90000">
-                    <a:lnL w="720">
-                      <a:solidFill>
-                        <a:srgbClr val="ffffff"/>
-                      </a:solidFill>
-                    </a:lnL>
-                    <a:lnR w="720">
-                      <a:solidFill>
-                        <a:srgbClr val="ffffff"/>
-                      </a:solidFill>
-                    </a:lnR>
-                    <a:lnT w="720">
-                      <a:solidFill>
-                        <a:srgbClr val="ffffff"/>
-                      </a:solidFill>
-                    </a:lnT>
-                    <a:lnB w="720">
-                      <a:solidFill>
-                        <a:srgbClr val="ffffff"/>
-                      </a:solidFill>
-                    </a:lnB>
-                    <a:solidFill>
-                      <a:srgbClr val="b3b3b3"/>
-                    </a:solidFill>
-                  </a:tcPr>
-                </a:tc>
-              </a:tr>
-              <a:tr h="719640">
-                <a:tc>
-                  <a:txBody>
-                    <a:bodyPr lIns="90000" rIns="90000" anchor="t">
-                      <a:noAutofit/>
-                    </a:bodyPr>
-                    <a:p>
-                      <a:pPr>
-                        <a:lnSpc>
-                          <a:spcPct val="100000"/>
-                        </a:lnSpc>
-                        <a:buNone/>
-                      </a:pPr>
-                      <a:r>
-                        <a:rPr b="0" lang="en-US" sz="1800" spc="-1" strike="noStrike">
-                          <a:latin typeface="Arial"/>
-                        </a:rPr>
-                        <a:t>64</a:t>
-                      </a:r>
-                      <a:endParaRPr b="0" lang="en-US" sz="1800" spc="-1" strike="noStrike">
-                        <a:latin typeface="Times New Roman"/>
-                      </a:endParaRPr>
-                    </a:p>
-                  </a:txBody>
-                  <a:tcPr anchor="t" marL="90000" marR="90000">
-                    <a:lnL w="720">
-                      <a:solidFill>
-                        <a:srgbClr val="ffffff"/>
-                      </a:solidFill>
-                    </a:lnL>
-                    <a:lnR w="720">
-                      <a:solidFill>
-                        <a:srgbClr val="ffffff"/>
-                      </a:solidFill>
-                    </a:lnR>
-                    <a:lnT w="720">
-                      <a:solidFill>
-                        <a:srgbClr val="ffffff"/>
-                      </a:solidFill>
-                    </a:lnT>
-                    <a:lnB w="720">
-                      <a:solidFill>
-                        <a:srgbClr val="ffffff"/>
-                      </a:solidFill>
-                    </a:lnB>
-                    <a:solidFill>
-                      <a:srgbClr val="cccccc"/>
-                    </a:solidFill>
-                  </a:tcPr>
-                </a:tc>
-                <a:tc>
-                  <a:txBody>
-                    <a:bodyPr lIns="90000" rIns="90000" anchor="t">
-                      <a:noAutofit/>
-                    </a:bodyPr>
-                    <a:p>
-                      <a:pPr>
-                        <a:lnSpc>
-                          <a:spcPct val="100000"/>
-                        </a:lnSpc>
-                        <a:buNone/>
-                      </a:pPr>
-                      <a:r>
-                        <a:rPr b="0" lang="en-US" sz="1800" spc="-1" strike="noStrike">
-                          <a:latin typeface="Arial"/>
-                        </a:rPr>
-                        <a:t>16</a:t>
-                      </a:r>
-                      <a:endParaRPr b="0" lang="en-US" sz="1800" spc="-1" strike="noStrike">
-                        <a:latin typeface="Times New Roman"/>
-                      </a:endParaRPr>
-                    </a:p>
-                  </a:txBody>
-                  <a:tcPr anchor="t" marL="90000" marR="90000">
-                    <a:lnL w="720">
-                      <a:solidFill>
-                        <a:srgbClr val="ffffff"/>
-                      </a:solidFill>
-                    </a:lnL>
-                    <a:lnR w="720">
-                      <a:solidFill>
-                        <a:srgbClr val="ffffff"/>
-                      </a:solidFill>
-                    </a:lnR>
-                    <a:lnT w="720">
-                      <a:solidFill>
-                        <a:srgbClr val="ffffff"/>
-                      </a:solidFill>
-                    </a:lnT>
-                    <a:lnB w="720">
-                      <a:solidFill>
-                        <a:srgbClr val="ffffff"/>
-                      </a:solidFill>
-                    </a:lnB>
-                    <a:solidFill>
-                      <a:srgbClr val="cccccc"/>
-                    </a:solidFill>
-                  </a:tcPr>
-                </a:tc>
-                <a:tc>
-                  <a:txBody>
-                    <a:bodyPr lIns="90000" rIns="90000" anchor="t">
-                      <a:noAutofit/>
-                    </a:bodyPr>
-                    <a:p>
-                      <a:pPr>
-                        <a:lnSpc>
-                          <a:spcPct val="100000"/>
-                        </a:lnSpc>
-                        <a:buNone/>
-                      </a:pPr>
-                      <a:r>
-                        <a:rPr b="0" lang="en-US" sz="1500" spc="-1" strike="noStrike">
-                          <a:latin typeface="Arial"/>
-                        </a:rPr>
-                        <a:t>.246-</a:t>
-                      </a:r>
-                      <a:r>
-                        <a:rPr b="0" lang="en-US" sz="1500" spc="-1" strike="noStrike">
-                          <a:latin typeface="Arial"/>
-                        </a:rPr>
-                        <a:t>.246</a:t>
-                      </a:r>
-                      <a:endParaRPr b="0" lang="en-US" sz="1500" spc="-1" strike="noStrike">
-                        <a:latin typeface="Times New Roman"/>
-                      </a:endParaRPr>
-                    </a:p>
-                  </a:txBody>
-                  <a:tcPr anchor="t" marL="90000" marR="90000">
-                    <a:lnL w="720">
-                      <a:solidFill>
-                        <a:srgbClr val="ffffff"/>
-                      </a:solidFill>
-                    </a:lnL>
-                    <a:lnR w="720">
-                      <a:solidFill>
-                        <a:srgbClr val="ffffff"/>
-                      </a:solidFill>
-                    </a:lnR>
-                    <a:lnT w="720">
-                      <a:solidFill>
-                        <a:srgbClr val="ffffff"/>
-                      </a:solidFill>
-                    </a:lnT>
-                    <a:lnB w="720">
-                      <a:solidFill>
-                        <a:srgbClr val="ffffff"/>
-                      </a:solidFill>
-                    </a:lnB>
-                    <a:solidFill>
-                      <a:srgbClr val="cccccc"/>
-                    </a:solidFill>
-                  </a:tcPr>
-                </a:tc>
-                <a:tc>
-                  <a:txBody>
-                    <a:bodyPr lIns="90000" rIns="90000" anchor="t">
-                      <a:noAutofit/>
-                    </a:bodyPr>
-                    <a:p>
-                      <a:pPr>
-                        <a:lnSpc>
-                          <a:spcPct val="100000"/>
-                        </a:lnSpc>
-                        <a:buNone/>
-                      </a:pPr>
-                      <a:r>
-                        <a:rPr b="0" lang="en-US" sz="1500" spc="-1" strike="noStrike">
-                          <a:latin typeface="Arial"/>
-                        </a:rPr>
-                        <a:t>.246-</a:t>
-                      </a:r>
-                      <a:r>
-                        <a:rPr b="0" lang="en-US" sz="1500" spc="-1" strike="noStrike">
-                          <a:latin typeface="Arial"/>
-                        </a:rPr>
-                        <a:t>.246</a:t>
-                      </a:r>
-                      <a:endParaRPr b="0" lang="en-US" sz="1500" spc="-1" strike="noStrike">
-                        <a:latin typeface="Times New Roman"/>
-                      </a:endParaRPr>
-                    </a:p>
-                  </a:txBody>
-                  <a:tcPr anchor="t" marL="90000" marR="90000">
-                    <a:lnL w="720">
-                      <a:solidFill>
-                        <a:srgbClr val="ffffff"/>
-                      </a:solidFill>
-                    </a:lnL>
-                    <a:lnR w="720">
-                      <a:solidFill>
-                        <a:srgbClr val="ffffff"/>
-                      </a:solidFill>
-                    </a:lnR>
-                    <a:lnT w="720">
-                      <a:solidFill>
-                        <a:srgbClr val="ffffff"/>
-                      </a:solidFill>
-                    </a:lnT>
-                    <a:lnB w="720">
-                      <a:solidFill>
-                        <a:srgbClr val="ffffff"/>
-                      </a:solidFill>
-                    </a:lnB>
-                    <a:solidFill>
-                      <a:srgbClr val="cccccc"/>
-                    </a:solidFill>
-                  </a:tcPr>
-                </a:tc>
-              </a:tr>
-              <a:tr h="719640">
-                <a:tc>
-                  <a:tcPr anchor="t" marL="90000" marR="90000">
-                    <a:lnL w="720">
-                      <a:solidFill>
-                        <a:srgbClr val="ffffff"/>
-                      </a:solidFill>
-                    </a:lnL>
-                    <a:lnR w="720">
-                      <a:solidFill>
-                        <a:srgbClr val="ffffff"/>
-                      </a:solidFill>
-                    </a:lnR>
-                    <a:lnT w="720">
-                      <a:solidFill>
-                        <a:srgbClr val="ffffff"/>
-                      </a:solidFill>
-                    </a:lnT>
-                    <a:lnB w="720">
-                      <a:solidFill>
-                        <a:srgbClr val="ffffff"/>
-                      </a:solidFill>
-                    </a:lnB>
-                    <a:solidFill>
-                      <a:srgbClr val="e6e6e6"/>
-                    </a:solidFill>
-                  </a:tcPr>
-                </a:tc>
-                <a:tc>
-                  <a:txBody>
-                    <a:bodyPr lIns="90000" rIns="90000" anchor="t">
-                      <a:noAutofit/>
-                    </a:bodyPr>
-                    <a:p>
-                      <a:pPr>
-                        <a:lnSpc>
-                          <a:spcPct val="100000"/>
-                        </a:lnSpc>
-                        <a:buNone/>
-                      </a:pPr>
-                      <a:r>
-                        <a:rPr b="0" lang="en-US" sz="1800" spc="-1" strike="noStrike">
-                          <a:latin typeface="Arial"/>
-                        </a:rPr>
-                        <a:t>8</a:t>
-                      </a:r>
-                      <a:endParaRPr b="0" lang="en-US" sz="1800" spc="-1" strike="noStrike">
-                        <a:latin typeface="Times New Roman"/>
-                      </a:endParaRPr>
-                    </a:p>
-                  </a:txBody>
-                  <a:tcPr anchor="t" marL="90000" marR="90000">
-                    <a:lnL w="720">
-                      <a:solidFill>
-                        <a:srgbClr val="ffffff"/>
-                      </a:solidFill>
-                    </a:lnL>
-                    <a:lnR w="720">
-                      <a:solidFill>
-                        <a:srgbClr val="ffffff"/>
-                      </a:solidFill>
-                    </a:lnR>
-                    <a:lnT w="720">
-                      <a:solidFill>
-                        <a:srgbClr val="ffffff"/>
-                      </a:solidFill>
-                    </a:lnT>
-                    <a:lnB w="720">
-                      <a:solidFill>
-                        <a:srgbClr val="ffffff"/>
-                      </a:solidFill>
-                    </a:lnB>
-                    <a:solidFill>
-                      <a:srgbClr val="e6e6e6"/>
-                    </a:solidFill>
-                  </a:tcPr>
-                </a:tc>
-                <a:tc>
-                  <a:txBody>
-                    <a:bodyPr lIns="90000" rIns="90000" anchor="t">
-                      <a:noAutofit/>
-                    </a:bodyPr>
-                    <a:p>
-                      <a:pPr>
-                        <a:lnSpc>
-                          <a:spcPct val="100000"/>
-                        </a:lnSpc>
-                        <a:buNone/>
-                      </a:pPr>
-                      <a:r>
-                        <a:rPr b="0" lang="en-US" sz="1800" spc="-1" strike="noStrike">
-                          <a:latin typeface="Arial"/>
-                        </a:rPr>
-                        <a:t>faile</a:t>
-                      </a:r>
-                      <a:r>
-                        <a:rPr b="0" lang="en-US" sz="1800" spc="-1" strike="noStrike">
-                          <a:latin typeface="Arial"/>
-                        </a:rPr>
-                        <a:t>d</a:t>
-                      </a:r>
-                      <a:endParaRPr b="0" lang="en-US" sz="1800" spc="-1" strike="noStrike">
-                        <a:latin typeface="Times New Roman"/>
-                      </a:endParaRPr>
-                    </a:p>
-                  </a:txBody>
-                  <a:tcPr anchor="t" marL="90000" marR="90000">
-                    <a:lnL w="720">
-                      <a:solidFill>
-                        <a:srgbClr val="ffffff"/>
-                      </a:solidFill>
-                    </a:lnL>
-                    <a:lnR w="720">
-                      <a:solidFill>
-                        <a:srgbClr val="ffffff"/>
-                      </a:solidFill>
-                    </a:lnR>
-                    <a:lnT w="720">
-                      <a:solidFill>
-                        <a:srgbClr val="ffffff"/>
-                      </a:solidFill>
-                    </a:lnT>
-                    <a:lnB w="720">
-                      <a:solidFill>
-                        <a:srgbClr val="ffffff"/>
-                      </a:solidFill>
-                    </a:lnB>
-                    <a:solidFill>
-                      <a:srgbClr val="e6e6e6"/>
-                    </a:solidFill>
-                  </a:tcPr>
-                </a:tc>
-                <a:tc>
-                  <a:txBody>
-                    <a:bodyPr lIns="90000" rIns="90000" anchor="t">
-                      <a:noAutofit/>
-                    </a:bodyPr>
-                    <a:p>
-                      <a:pPr>
-                        <a:lnSpc>
-                          <a:spcPct val="100000"/>
-                        </a:lnSpc>
-                        <a:buNone/>
-                      </a:pPr>
-                      <a:r>
-                        <a:rPr b="0" lang="en-US" sz="1500" spc="-1" strike="noStrike">
-                          <a:latin typeface="Arial"/>
-                        </a:rPr>
-                        <a:t>.246-</a:t>
-                      </a:r>
-                      <a:r>
-                        <a:rPr b="0" lang="en-US" sz="1500" spc="-1" strike="noStrike">
-                          <a:latin typeface="Arial"/>
-                        </a:rPr>
-                        <a:t>.246</a:t>
-                      </a:r>
-                      <a:endParaRPr b="0" lang="en-US" sz="1500" spc="-1" strike="noStrike">
-                        <a:latin typeface="Times New Roman"/>
-                      </a:endParaRPr>
-                    </a:p>
-                  </a:txBody>
-                  <a:tcPr anchor="t" marL="90000" marR="90000">
-                    <a:lnL w="720">
-                      <a:solidFill>
-                        <a:srgbClr val="ffffff"/>
-                      </a:solidFill>
-                    </a:lnL>
-                    <a:lnR w="720">
-                      <a:solidFill>
-                        <a:srgbClr val="ffffff"/>
-                      </a:solidFill>
-                    </a:lnR>
-                    <a:lnT w="720">
-                      <a:solidFill>
-                        <a:srgbClr val="ffffff"/>
-                      </a:solidFill>
-                    </a:lnT>
-                    <a:lnB w="720">
-                      <a:solidFill>
-                        <a:srgbClr val="ffffff"/>
-                      </a:solidFill>
-                    </a:lnB>
-                    <a:solidFill>
-                      <a:srgbClr val="e6e6e6"/>
-                    </a:solidFill>
-                  </a:tcPr>
-                </a:tc>
-              </a:tr>
-              <a:tr h="719640">
-                <a:tc>
-                  <a:txBody>
-                    <a:bodyPr lIns="90000" rIns="90000" anchor="t">
-                      <a:noAutofit/>
-                    </a:bodyPr>
-                    <a:p>
-                      <a:pPr>
-                        <a:lnSpc>
-                          <a:spcPct val="100000"/>
-                        </a:lnSpc>
-                        <a:buNone/>
-                      </a:pPr>
-                      <a:r>
-                        <a:rPr b="0" lang="en-US" sz="1800" spc="-1" strike="noStrike">
-                          <a:latin typeface="Arial"/>
-                        </a:rPr>
-                        <a:t>256</a:t>
-                      </a:r>
-                      <a:endParaRPr b="0" lang="en-US" sz="1800" spc="-1" strike="noStrike">
-                        <a:latin typeface="Times New Roman"/>
-                      </a:endParaRPr>
-                    </a:p>
-                  </a:txBody>
-                  <a:tcPr anchor="t" marL="90000" marR="90000">
-                    <a:lnL w="720">
-                      <a:solidFill>
-                        <a:srgbClr val="ffffff"/>
-                      </a:solidFill>
-                    </a:lnL>
-                    <a:lnR w="720">
-                      <a:solidFill>
-                        <a:srgbClr val="ffffff"/>
-                      </a:solidFill>
-                    </a:lnR>
-                    <a:lnT w="720">
-                      <a:solidFill>
-                        <a:srgbClr val="ffffff"/>
-                      </a:solidFill>
-                    </a:lnT>
-                    <a:lnB w="720">
-                      <a:solidFill>
-                        <a:srgbClr val="ffffff"/>
-                      </a:solidFill>
-                    </a:lnB>
-                    <a:solidFill>
-                      <a:srgbClr val="cccccc"/>
-                    </a:solidFill>
-                  </a:tcPr>
-                </a:tc>
-                <a:tc>
-                  <a:txBody>
-                    <a:bodyPr lIns="90000" rIns="90000" anchor="t">
-                      <a:noAutofit/>
-                    </a:bodyPr>
-                    <a:p>
-                      <a:pPr>
-                        <a:lnSpc>
-                          <a:spcPct val="100000"/>
-                        </a:lnSpc>
-                        <a:buNone/>
-                      </a:pPr>
-                      <a:r>
-                        <a:rPr b="0" lang="en-US" sz="1800" spc="-1" strike="noStrike">
-                          <a:latin typeface="Arial"/>
-                        </a:rPr>
-                        <a:t>64</a:t>
-                      </a:r>
-                      <a:endParaRPr b="0" lang="en-US" sz="1800" spc="-1" strike="noStrike">
-                        <a:latin typeface="Times New Roman"/>
-                      </a:endParaRPr>
-                    </a:p>
-                  </a:txBody>
-                  <a:tcPr anchor="t" marL="90000" marR="90000">
-                    <a:lnL w="720">
-                      <a:solidFill>
-                        <a:srgbClr val="ffffff"/>
-                      </a:solidFill>
-                    </a:lnL>
-                    <a:lnR w="720">
-                      <a:solidFill>
-                        <a:srgbClr val="ffffff"/>
-                      </a:solidFill>
-                    </a:lnR>
-                    <a:lnT w="720">
-                      <a:solidFill>
-                        <a:srgbClr val="ffffff"/>
-                      </a:solidFill>
-                    </a:lnT>
-                    <a:lnB w="720">
-                      <a:solidFill>
-                        <a:srgbClr val="ffffff"/>
-                      </a:solidFill>
-                    </a:lnB>
-                    <a:solidFill>
-                      <a:srgbClr val="cccccc"/>
-                    </a:solidFill>
-                  </a:tcPr>
-                </a:tc>
-                <a:tc>
-                  <a:txBody>
-                    <a:bodyPr lIns="90000" rIns="90000" anchor="t">
-                      <a:noAutofit/>
-                    </a:bodyPr>
-                    <a:p>
-                      <a:pPr>
-                        <a:lnSpc>
-                          <a:spcPct val="100000"/>
-                        </a:lnSpc>
-                        <a:buNone/>
-                      </a:pPr>
-                      <a:r>
-                        <a:rPr b="0" lang="en-US" sz="1800" spc="-1" strike="noStrike">
-                          <a:latin typeface="Arial"/>
-                        </a:rPr>
-                        <a:t>.249</a:t>
-                      </a:r>
-                      <a:r>
-                        <a:rPr b="0" lang="en-US" sz="1800" spc="-1" strike="noStrike">
-                          <a:latin typeface="Arial"/>
-                        </a:rPr>
-                        <a:t>02</a:t>
-                      </a:r>
-                      <a:endParaRPr b="0" lang="en-US" sz="1800" spc="-1" strike="noStrike">
-                        <a:latin typeface="Times New Roman"/>
-                      </a:endParaRPr>
-                    </a:p>
-                  </a:txBody>
-                  <a:tcPr anchor="t" marL="90000" marR="90000">
-                    <a:lnL w="720">
-                      <a:solidFill>
-                        <a:srgbClr val="ffffff"/>
-                      </a:solidFill>
-                    </a:lnL>
-                    <a:lnR w="720">
-                      <a:solidFill>
-                        <a:srgbClr val="ffffff"/>
-                      </a:solidFill>
-                    </a:lnR>
-                    <a:lnT w="720">
-                      <a:solidFill>
-                        <a:srgbClr val="ffffff"/>
-                      </a:solidFill>
-                    </a:lnT>
-                    <a:lnB w="720">
-                      <a:solidFill>
-                        <a:srgbClr val="ffffff"/>
-                      </a:solidFill>
-                    </a:lnB>
-                    <a:solidFill>
-                      <a:srgbClr val="cccccc"/>
-                    </a:solidFill>
-                  </a:tcPr>
-                </a:tc>
-                <a:tc>
-                  <a:txBody>
-                    <a:bodyPr lIns="90000" rIns="90000" anchor="t">
-                      <a:noAutofit/>
-                    </a:bodyPr>
-                    <a:p>
-                      <a:r>
-                        <a:rPr b="0" lang="en-US" sz="2400" spc="-1" strike="noStrike">
-                          <a:latin typeface="Times New Roman"/>
-                        </a:rPr>
-                        <a:t>.24</a:t>
-                      </a:r>
-                      <a:r>
-                        <a:rPr b="0" lang="en-US" sz="2400" spc="-1" strike="noStrike">
-                          <a:latin typeface="Times New Roman"/>
-                        </a:rPr>
-                        <a:t>90</a:t>
-                      </a:r>
-                      <a:r>
-                        <a:rPr b="0" lang="en-US" sz="2400" spc="-1" strike="noStrike">
-                          <a:latin typeface="Times New Roman"/>
-                        </a:rPr>
-                        <a:t>2</a:t>
-                      </a:r>
-                      <a:endParaRPr b="0" lang="en-US" sz="2400" spc="-1" strike="noStrike">
-                        <a:latin typeface="Times New Roman"/>
-                      </a:endParaRPr>
-                    </a:p>
-                  </a:txBody>
-                  <a:tcPr anchor="t" marL="90000" marR="90000">
-                    <a:lnL w="720">
-                      <a:solidFill>
-                        <a:srgbClr val="ffffff"/>
-                      </a:solidFill>
-                    </a:lnL>
-                    <a:lnR w="720">
-                      <a:solidFill>
-                        <a:srgbClr val="ffffff"/>
-                      </a:solidFill>
-                    </a:lnR>
-                    <a:lnT w="720">
-                      <a:solidFill>
-                        <a:srgbClr val="ffffff"/>
-                      </a:solidFill>
-                    </a:lnT>
-                    <a:lnB w="720">
-                      <a:solidFill>
-                        <a:srgbClr val="ffffff"/>
-                      </a:solidFill>
-                    </a:lnB>
-                    <a:solidFill>
-                      <a:srgbClr val="cccccc"/>
-                    </a:solidFill>
-                  </a:tcPr>
-                </a:tc>
-              </a:tr>
-              <a:tr h="721080">
-                <a:tc>
-                  <a:tcPr anchor="t" marL="90000" marR="90000">
-                    <a:lnL w="720">
-                      <a:solidFill>
-                        <a:srgbClr val="ffffff"/>
-                      </a:solidFill>
-                    </a:lnL>
-                    <a:lnR w="720">
-                      <a:solidFill>
-                        <a:srgbClr val="ffffff"/>
-                      </a:solidFill>
-                    </a:lnR>
-                    <a:lnT w="720">
-                      <a:solidFill>
-                        <a:srgbClr val="ffffff"/>
-                      </a:solidFill>
-                    </a:lnT>
-                    <a:lnB w="720">
-                      <a:solidFill>
-                        <a:srgbClr val="ffffff"/>
-                      </a:solidFill>
-                    </a:lnB>
-                    <a:solidFill>
-                      <a:srgbClr val="e6e6e6"/>
-                    </a:solidFill>
-                  </a:tcPr>
-                </a:tc>
-                <a:tc>
-                  <a:txBody>
-                    <a:bodyPr lIns="90000" rIns="90000" anchor="t">
-                      <a:noAutofit/>
-                    </a:bodyPr>
-                    <a:p>
-                      <a:pPr>
-                        <a:lnSpc>
-                          <a:spcPct val="100000"/>
-                        </a:lnSpc>
-                        <a:buNone/>
-                      </a:pPr>
-                      <a:r>
-                        <a:rPr b="0" lang="en-US" sz="1800" spc="-1" strike="noStrike">
-                          <a:latin typeface="Arial"/>
-                        </a:rPr>
-                        <a:t>32</a:t>
-                      </a:r>
-                      <a:endParaRPr b="0" lang="en-US" sz="1800" spc="-1" strike="noStrike">
-                        <a:latin typeface="Times New Roman"/>
-                      </a:endParaRPr>
-                    </a:p>
-                  </a:txBody>
-                  <a:tcPr anchor="t" marL="90000" marR="90000">
-                    <a:lnL w="720">
-                      <a:solidFill>
-                        <a:srgbClr val="ffffff"/>
-                      </a:solidFill>
-                    </a:lnL>
-                    <a:lnR w="720">
-                      <a:solidFill>
-                        <a:srgbClr val="ffffff"/>
-                      </a:solidFill>
-                    </a:lnR>
-                    <a:lnT w="720">
-                      <a:solidFill>
-                        <a:srgbClr val="ffffff"/>
-                      </a:solidFill>
-                    </a:lnT>
-                    <a:lnB w="720">
-                      <a:solidFill>
-                        <a:srgbClr val="ffffff"/>
-                      </a:solidFill>
-                    </a:lnB>
-                    <a:solidFill>
-                      <a:srgbClr val="e6e6e6"/>
-                    </a:solidFill>
-                  </a:tcPr>
-                </a:tc>
-                <a:tc>
-                  <a:txBody>
-                    <a:bodyPr lIns="90000" rIns="90000" anchor="t">
-                      <a:noAutofit/>
-                    </a:bodyPr>
-                    <a:p>
-                      <a:pPr>
-                        <a:lnSpc>
-                          <a:spcPct val="100000"/>
-                        </a:lnSpc>
-                        <a:buNone/>
-                      </a:pPr>
-                      <a:r>
-                        <a:rPr b="0" lang="en-US" sz="1400" spc="-1" strike="noStrike">
-                          <a:latin typeface="Arial"/>
-                        </a:rPr>
-                        <a:t>.000</a:t>
-                      </a:r>
-                      <a:r>
-                        <a:rPr b="0" lang="en-US" sz="1400" spc="-1" strike="noStrike">
-                          <a:latin typeface="Arial"/>
-                        </a:rPr>
-                        <a:t>67-.0</a:t>
-                      </a:r>
-                      <a:r>
-                        <a:rPr b="0" lang="en-US" sz="1400" spc="-1" strike="noStrike">
-                          <a:latin typeface="Arial"/>
-                        </a:rPr>
-                        <a:t>0066</a:t>
-                      </a:r>
-                      <a:r>
-                        <a:rPr b="0" lang="en-US" sz="1400" spc="-1" strike="noStrike">
-                          <a:latin typeface="Arial"/>
-                        </a:rPr>
-                        <a:t>5</a:t>
-                      </a:r>
-                      <a:endParaRPr b="0" lang="en-US" sz="1400" spc="-1" strike="noStrike">
-                        <a:latin typeface="Times New Roman"/>
-                      </a:endParaRPr>
-                    </a:p>
-                  </a:txBody>
-                  <a:tcPr anchor="t" marL="90000" marR="90000">
-                    <a:lnL w="720">
-                      <a:solidFill>
-                        <a:srgbClr val="ffffff"/>
-                      </a:solidFill>
-                    </a:lnL>
-                    <a:lnR w="720">
-                      <a:solidFill>
-                        <a:srgbClr val="ffffff"/>
-                      </a:solidFill>
-                    </a:lnR>
-                    <a:lnT w="720">
-                      <a:solidFill>
-                        <a:srgbClr val="ffffff"/>
-                      </a:solidFill>
-                    </a:lnT>
-                    <a:lnB w="720">
-                      <a:solidFill>
-                        <a:srgbClr val="ffffff"/>
-                      </a:solidFill>
-                    </a:lnB>
-                    <a:solidFill>
-                      <a:srgbClr val="e6e6e6"/>
-                    </a:solidFill>
-                  </a:tcPr>
-                </a:tc>
-                <a:tc>
-                  <a:txBody>
-                    <a:bodyPr lIns="90000" rIns="90000" anchor="t">
-                      <a:noAutofit/>
-                    </a:bodyPr>
-                    <a:p>
-                      <a:pPr>
-                        <a:lnSpc>
-                          <a:spcPct val="100000"/>
-                        </a:lnSpc>
-                        <a:buNone/>
-                      </a:pPr>
-                      <a:r>
-                        <a:rPr b="0" lang="en-US" sz="1800" spc="-1" strike="noStrike">
-                          <a:latin typeface="Arial"/>
-                        </a:rPr>
-                        <a:t>.24902</a:t>
-                      </a:r>
-                      <a:endParaRPr b="0" lang="en-US" sz="1800" spc="-1" strike="noStrike">
-                        <a:latin typeface="Times New Roman"/>
-                      </a:endParaRPr>
-                    </a:p>
-                  </a:txBody>
-                  <a:tcPr anchor="t" marL="90000" marR="90000">
-                    <a:lnL w="720">
-                      <a:solidFill>
-                        <a:srgbClr val="ffffff"/>
-                      </a:solidFill>
-                    </a:lnL>
-                    <a:lnR w="720">
-                      <a:solidFill>
-                        <a:srgbClr val="ffffff"/>
-                      </a:solidFill>
-                    </a:lnR>
-                    <a:lnT w="720">
-                      <a:solidFill>
-                        <a:srgbClr val="ffffff"/>
-                      </a:solidFill>
-                    </a:lnT>
-                    <a:lnB w="720">
-                      <a:solidFill>
-                        <a:srgbClr val="ffffff"/>
-                      </a:solidFill>
-                    </a:lnB>
-                    <a:solidFill>
-                      <a:srgbClr val="e6e6e6"/>
-                    </a:solidFill>
-                  </a:tcPr>
-                </a:tc>
-              </a:tr>
-            </a:tbl>
-          </a:graphicData>
-        </a:graphic>
-      </p:graphicFrame>
-    </p:spTree>
-  </p:cSld>
-  <p:transition>
-    <p:push dir="l"/>
-  </p:transition>
-</p:sld>
-</file>
-
-<file path=ppt/slides/slide4.xml><?xml version="1.0" encoding="utf-8"?>
-<p:sld xmlns:a="http://schemas.openxmlformats.org/drawingml/2006/main" xmlns:p="http://schemas.openxmlformats.org/presentationml/2006/main" xmlns:r="http://schemas.openxmlformats.org/officeDocument/2006/relationships" xmlns:p14="http://schemas.microsoft.com/office/powerpoint/2010/main" xmlns:p15="http://schemas.microsoft.com/office/powerpoint/2012/main" xmlns:mc="http://schemas.openxmlformats.org/markup-compatibility/2006">
-  <p:cSld>
-    <p:spTree>
-      <p:nvGrpSpPr>
-        <p:cNvPr id="1" name=""/>
-        <p:cNvGrpSpPr/>
-        <p:nvPr/>
-      </p:nvGrpSpPr>
-      <p:grpSpPr>
-        <a:xfrm>
-          <a:off x="0" y="0"/>
-          <a:ext cx="0" cy="0"/>
-          <a:chOff x="0" y="0"/>
-          <a:chExt cx="0" cy="0"/>
-        </a:xfrm>
-      </p:grpSpPr>
-      <p:graphicFrame>
-        <p:nvGraphicFramePr>
-          <p:cNvPr id="71" name="Google Shape;92;p 3"/>
-          <p:cNvGraphicFramePr/>
-          <p:nvPr/>
-        </p:nvGraphicFramePr>
-        <p:xfrm>
-          <a:off x="726840" y="315000"/>
-          <a:ext cx="7664040" cy="288000"/>
-        </p:xfrm>
-        <a:graphic>
-          <a:graphicData uri="http://schemas.openxmlformats.org/drawingml/2006/table">
-            <a:tbl>
-              <a:tblPr/>
-              <a:tblGrid>
-                <a:gridCol w="7664400"/>
-              </a:tblGrid>
-              <a:tr h="288360">
-                <a:tc>
-                  <a:txBody>
-                    <a:bodyPr lIns="72000" anchor="ctr">
-                      <a:noAutofit/>
-                    </a:bodyPr>
-                    <a:p>
-                      <a:pPr>
-                        <a:lnSpc>
-                          <a:spcPct val="100000"/>
-                        </a:lnSpc>
-                        <a:buNone/>
-                        <a:tabLst>
-                          <a:tab algn="l" pos="0"/>
-                        </a:tabLst>
-                      </a:pPr>
-                      <a:r>
-                        <a:rPr b="0" lang="en-US" sz="1800" spc="-1" strike="noStrike">
-                          <a:solidFill>
-                            <a:srgbClr val="000000"/>
-                          </a:solidFill>
-                          <a:latin typeface="Times New Roman"/>
-                          <a:ea typeface="Times New Roman"/>
-                        </a:rPr>
-                        <a:t>Li-ion Ragone plot visualizer</a:t>
-                      </a:r>
-                      <a:endParaRPr b="0" lang="en-US" sz="1800" spc="-1" strike="noStrike">
-                        <a:latin typeface="Arial"/>
-                      </a:endParaRPr>
-                    </a:p>
-                  </a:txBody>
-                  <a:tcPr anchor="ctr" marL="72000" marR="91440">
-                    <a:lnL w="12240">
-                      <a:solidFill>
-                        <a:srgbClr val="808080"/>
-                      </a:solidFill>
-                    </a:lnL>
-                    <a:lnR w="12240">
-                      <a:solidFill>
-                        <a:srgbClr val="808080"/>
-                      </a:solidFill>
-                    </a:lnR>
-                    <a:lnT w="12240">
-                      <a:solidFill>
-                        <a:srgbClr val="808080"/>
-                      </a:solidFill>
-                    </a:lnT>
-                    <a:lnB w="12240">
-                      <a:solidFill>
-                        <a:srgbClr val="808080"/>
-                      </a:solidFill>
-                    </a:lnB>
-                    <a:noFill/>
-                  </a:tcPr>
-                </a:tc>
-              </a:tr>
-            </a:tbl>
-          </a:graphicData>
-        </a:graphic>
-      </p:graphicFrame>
-      <p:sp>
-        <p:nvSpPr>
-          <p:cNvPr id="72" name="PlaceHolder 1"/>
-          <p:cNvSpPr>
-            <a:spLocks noGrp="1"/>
-          </p:cNvSpPr>
-          <p:nvPr>
-            <p:ph type="sldNum" idx="10"/>
-          </p:nvPr>
-        </p:nvSpPr>
-        <p:spPr>
-          <a:xfrm>
-            <a:off x="6553080" y="6356520"/>
-            <a:ext cx="2131920" cy="363240"/>
-          </a:xfrm>
-          <a:prstGeom prst="rect">
-            <a:avLst/>
-          </a:prstGeom>
-          <a:noFill/>
-          <a:ln w="0">
-            <a:noFill/>
-          </a:ln>
-        </p:spPr>
-        <p:txBody>
-          <a:bodyPr lIns="90000" rIns="90000" tIns="45000" bIns="45000" anchor="ctr">
-            <a:noAutofit/>
-          </a:bodyPr>
-          <a:lstStyle>
-            <a:lvl1pPr algn="r">
-              <a:lnSpc>
-                <a:spcPct val="100000"/>
-              </a:lnSpc>
-              <a:buNone/>
-              <a:tabLst>
-                <a:tab algn="l" pos="0"/>
-              </a:tabLst>
-              <a:defRPr b="0" lang="en-US" sz="1200" spc="-1" strike="noStrike">
-                <a:solidFill>
-                  <a:srgbClr val="888888"/>
-                </a:solidFill>
-                <a:latin typeface="Calibri"/>
-                <a:ea typeface="Calibri"/>
-              </a:defRPr>
-            </a:lvl1pPr>
-          </a:lstStyle>
-          <a:p>
-            <a:pPr algn="r">
-              <a:lnSpc>
-                <a:spcPct val="100000"/>
-              </a:lnSpc>
-              <a:buNone/>
-              <a:tabLst>
-                <a:tab algn="l" pos="0"/>
-              </a:tabLst>
-            </a:pPr>
-            <a:fld id="{6A09E66B-5DD6-4858-AC9E-CF3646548F92}" type="slidenum">
-              <a:rPr b="0" lang="en-US" sz="1200" spc="-1" strike="noStrike">
-                <a:solidFill>
-                  <a:srgbClr val="888888"/>
-                </a:solidFill>
-                <a:latin typeface="Calibri"/>
-                <a:ea typeface="Calibri"/>
-              </a:rPr>
-              <a:t>&lt;number&gt;</a:t>
-            </a:fld>
-            <a:endParaRPr b="0" lang="en-US" sz="1200" spc="-1" strike="noStrike">
-              <a:latin typeface="Times New Roman"/>
-            </a:endParaRPr>
-          </a:p>
-        </p:txBody>
-      </p:sp>
-      <p:sp>
-        <p:nvSpPr>
-          <p:cNvPr id="73" name=""/>
-          <p:cNvSpPr/>
-          <p:nvPr/>
-        </p:nvSpPr>
-        <p:spPr>
-          <a:xfrm>
-            <a:off x="5486400" y="914400"/>
-            <a:ext cx="3199680" cy="857520"/>
-          </a:xfrm>
-          <a:prstGeom prst="rect">
-            <a:avLst/>
-          </a:prstGeom>
-          <a:noFill/>
-          <a:ln w="0">
-            <a:noFill/>
-          </a:ln>
-        </p:spPr>
-        <p:style>
-          <a:lnRef idx="0"/>
-          <a:fillRef idx="0"/>
-          <a:effectRef idx="0"/>
-          <a:fontRef idx="minor"/>
-        </p:style>
-        <p:txBody>
-          <a:bodyPr lIns="90000" rIns="90000" tIns="45000" bIns="45000" anchor="t">
-            <a:noAutofit/>
-          </a:bodyPr>
-          <a:p>
-            <a:pPr>
-              <a:lnSpc>
-                <a:spcPct val="100000"/>
-              </a:lnSpc>
-              <a:buNone/>
-            </a:pPr>
-            <a:endParaRPr b="0" lang="en-US" sz="1800" spc="-1" strike="noStrike">
-              <a:latin typeface="Arial"/>
-            </a:endParaRPr>
-          </a:p>
-          <a:p>
-            <a:pPr>
-              <a:lnSpc>
-                <a:spcPct val="100000"/>
-              </a:lnSpc>
-              <a:buNone/>
-            </a:pPr>
-            <a:endParaRPr b="0" lang="en-US" sz="1800" spc="-1" strike="noStrike">
-              <a:latin typeface="Arial"/>
-            </a:endParaRPr>
-          </a:p>
-          <a:p>
-            <a:pPr>
-              <a:lnSpc>
-                <a:spcPct val="100000"/>
-              </a:lnSpc>
-              <a:buNone/>
-            </a:pPr>
-            <a:endParaRPr b="0" lang="en-US" sz="1800" spc="-1" strike="noStrike">
-              <a:latin typeface="Arial"/>
-            </a:endParaRPr>
-          </a:p>
-        </p:txBody>
-      </p:sp>
-      <p:sp>
-        <p:nvSpPr>
-          <p:cNvPr id="74" name=""/>
-          <p:cNvSpPr/>
-          <p:nvPr/>
-        </p:nvSpPr>
-        <p:spPr>
-          <a:xfrm>
-            <a:off x="685800" y="844200"/>
-            <a:ext cx="7772040" cy="1670040"/>
-          </a:xfrm>
-          <a:prstGeom prst="rect">
-            <a:avLst/>
-          </a:prstGeom>
-          <a:noFill/>
-          <a:ln w="0">
-            <a:noFill/>
-          </a:ln>
-        </p:spPr>
-        <p:style>
-          <a:lnRef idx="0"/>
-          <a:fillRef idx="0"/>
-          <a:effectRef idx="0"/>
-          <a:fontRef idx="minor"/>
-        </p:style>
-      </p:sp>
-      <p:sp>
-        <p:nvSpPr>
-          <p:cNvPr id="75" name=""/>
-          <p:cNvSpPr txBox="1"/>
-          <p:nvPr/>
-        </p:nvSpPr>
-        <p:spPr>
-          <a:xfrm>
-            <a:off x="686160" y="915120"/>
-            <a:ext cx="8001000" cy="541800"/>
-          </a:xfrm>
-          <a:prstGeom prst="rect">
-            <a:avLst/>
-          </a:prstGeom>
-          <a:noFill/>
-          <a:ln w="0">
-            <a:noFill/>
-          </a:ln>
-        </p:spPr>
-        <p:txBody>
-          <a:bodyPr lIns="90000" rIns="90000" tIns="45000" bIns="45000" anchor="t">
-            <a:noAutofit/>
-          </a:bodyPr>
-          <a:p>
-            <a:pPr marL="216000" indent="-216000">
-              <a:buClr>
-                <a:srgbClr val="000000"/>
-              </a:buClr>
-              <a:buSzPct val="45000"/>
-              <a:buFont typeface="Wingdings" charset="2"/>
-              <a:buChar char=""/>
-            </a:pPr>
-            <a:r>
-              <a:rPr b="0" lang="en-US" sz="1600" spc="-1" strike="noStrike">
-                <a:latin typeface="Times new roman"/>
-              </a:rPr>
-              <a:t>Us</a:t>
-            </a:r>
-            <a:r>
-              <a:rPr b="0" lang="en-US" sz="1600" spc="-1" strike="noStrike">
-                <a:latin typeface="Times new roman"/>
-              </a:rPr>
-              <a:t>in</a:t>
-            </a:r>
-            <a:r>
-              <a:rPr b="0" lang="en-US" sz="1600" spc="-1" strike="noStrike">
-                <a:latin typeface="Times new roman"/>
-              </a:rPr>
-              <a:t>g </a:t>
-            </a:r>
-            <a:r>
-              <a:rPr b="0" lang="en-US" sz="1600" spc="-1" strike="noStrike">
-                <a:latin typeface="Times new roman"/>
-              </a:rPr>
-              <a:t>th</a:t>
-            </a:r>
-            <a:r>
-              <a:rPr b="0" lang="en-US" sz="1600" spc="-1" strike="noStrike">
-                <a:latin typeface="Times new roman"/>
-              </a:rPr>
-              <a:t>e </a:t>
-            </a:r>
-            <a:r>
-              <a:rPr b="0" lang="en-US" sz="1600" spc="-1" strike="noStrike">
-                <a:latin typeface="Times new roman"/>
-              </a:rPr>
-              <a:t>da</a:t>
-            </a:r>
-            <a:r>
-              <a:rPr b="0" lang="en-US" sz="1600" spc="-1" strike="noStrike">
-                <a:latin typeface="Times new roman"/>
-              </a:rPr>
-              <a:t>ta </a:t>
-            </a:r>
-            <a:r>
-              <a:rPr b="0" lang="en-US" sz="1600" spc="-1" strike="noStrike">
-                <a:latin typeface="Times new roman"/>
-              </a:rPr>
-              <a:t>th</a:t>
-            </a:r>
-            <a:r>
-              <a:rPr b="0" lang="en-US" sz="1600" spc="-1" strike="noStrike">
-                <a:latin typeface="Times new roman"/>
-              </a:rPr>
-              <a:t>e </a:t>
-            </a:r>
-            <a:r>
-              <a:rPr b="0" lang="en-US" sz="1600" spc="-1" strike="noStrike">
-                <a:latin typeface="Times new roman"/>
-              </a:rPr>
-              <a:t>Pr</a:t>
-            </a:r>
-            <a:r>
-              <a:rPr b="0" lang="en-US" sz="1600" spc="-1" strike="noStrike">
-                <a:latin typeface="Times new roman"/>
-              </a:rPr>
-              <a:t>eet</a:t>
-            </a:r>
-            <a:r>
-              <a:rPr b="0" lang="en-US" sz="1600" spc="-1" strike="noStrike">
-                <a:latin typeface="Times new roman"/>
-              </a:rPr>
-              <a:t>a</a:t>
-            </a:r>
-            <a:r>
-              <a:rPr b="0" lang="en-US" sz="1600" spc="-1" strike="noStrike">
-                <a:latin typeface="Times new roman"/>
-              </a:rPr>
-              <a:t>m </a:t>
-            </a:r>
-            <a:r>
-              <a:rPr b="0" lang="en-US" sz="1600" spc="-1" strike="noStrike">
-                <a:latin typeface="Times new roman"/>
-              </a:rPr>
-              <a:t>ha</a:t>
-            </a:r>
-            <a:r>
-              <a:rPr b="0" lang="en-US" sz="1600" spc="-1" strike="noStrike">
-                <a:latin typeface="Times new roman"/>
-              </a:rPr>
-              <a:t>s </a:t>
-            </a:r>
-            <a:r>
-              <a:rPr b="0" lang="en-US" sz="1600" spc="-1" strike="noStrike">
-                <a:latin typeface="Times new roman"/>
-              </a:rPr>
-              <a:t>co</a:t>
-            </a:r>
-            <a:r>
-              <a:rPr b="0" lang="en-US" sz="1600" spc="-1" strike="noStrike">
-                <a:latin typeface="Times new roman"/>
-              </a:rPr>
-              <a:t>lle</a:t>
-            </a:r>
-            <a:r>
-              <a:rPr b="0" lang="en-US" sz="1600" spc="-1" strike="noStrike">
-                <a:latin typeface="Times new roman"/>
-              </a:rPr>
-              <a:t>cte</a:t>
-            </a:r>
-            <a:r>
-              <a:rPr b="0" lang="en-US" sz="1600" spc="-1" strike="noStrike">
-                <a:latin typeface="Times new roman"/>
-              </a:rPr>
-              <a:t>d, </a:t>
-            </a:r>
-            <a:r>
-              <a:rPr b="0" lang="en-US" sz="1600" spc="-1" strike="noStrike">
-                <a:latin typeface="Times new roman"/>
-              </a:rPr>
-              <a:t>we </a:t>
-            </a:r>
-            <a:r>
-              <a:rPr b="0" lang="en-US" sz="1600" spc="-1" strike="noStrike">
-                <a:latin typeface="Times new roman"/>
-              </a:rPr>
-              <a:t>wi</a:t>
-            </a:r>
-            <a:r>
-              <a:rPr b="0" lang="en-US" sz="1600" spc="-1" strike="noStrike">
-                <a:latin typeface="Times new roman"/>
-              </a:rPr>
-              <a:t>ll </a:t>
-            </a:r>
-            <a:r>
-              <a:rPr b="0" lang="en-US" sz="1600" spc="-1" strike="noStrike">
-                <a:latin typeface="Times new roman"/>
-              </a:rPr>
-              <a:t>bu</a:t>
-            </a:r>
-            <a:r>
-              <a:rPr b="0" lang="en-US" sz="1600" spc="-1" strike="noStrike">
-                <a:latin typeface="Times new roman"/>
-              </a:rPr>
-              <a:t>ild </a:t>
-            </a:r>
-            <a:r>
-              <a:rPr b="0" lang="en-US" sz="1600" spc="-1" strike="noStrike">
-                <a:latin typeface="Times new roman"/>
-              </a:rPr>
-              <a:t>a </a:t>
-            </a:r>
-            <a:r>
-              <a:rPr b="0" lang="en-US" sz="1600" spc="-1" strike="noStrike">
-                <a:latin typeface="Times new roman"/>
-              </a:rPr>
-              <a:t>G</a:t>
-            </a:r>
-            <a:r>
-              <a:rPr b="0" lang="en-US" sz="1600" spc="-1" strike="noStrike">
-                <a:latin typeface="Times new roman"/>
-              </a:rPr>
-              <a:t>UI </a:t>
-            </a:r>
-            <a:r>
-              <a:rPr b="0" lang="en-US" sz="1600" spc="-1" strike="noStrike">
-                <a:latin typeface="Times new roman"/>
-              </a:rPr>
-              <a:t>ar</a:t>
-            </a:r>
-            <a:r>
-              <a:rPr b="0" lang="en-US" sz="1600" spc="-1" strike="noStrike">
-                <a:latin typeface="Times new roman"/>
-              </a:rPr>
-              <a:t>ou</a:t>
-            </a:r>
-            <a:r>
-              <a:rPr b="0" lang="en-US" sz="1600" spc="-1" strike="noStrike">
-                <a:latin typeface="Times new roman"/>
-              </a:rPr>
-              <a:t>nd </a:t>
-            </a:r>
-            <a:r>
-              <a:rPr b="0" lang="en-US" sz="1600" spc="-1" strike="noStrike">
-                <a:latin typeface="Times new roman"/>
-              </a:rPr>
-              <a:t>a </a:t>
-            </a:r>
-            <a:r>
-              <a:rPr b="0" lang="en-US" sz="1600" spc="-1" strike="noStrike">
-                <a:latin typeface="Times new roman"/>
-              </a:rPr>
-              <a:t>pl</a:t>
-            </a:r>
-            <a:r>
-              <a:rPr b="0" lang="en-US" sz="1600" spc="-1" strike="noStrike">
-                <a:latin typeface="Times new roman"/>
-              </a:rPr>
-              <a:t>ot </a:t>
-            </a:r>
-            <a:r>
-              <a:rPr b="0" lang="en-US" sz="1600" spc="-1" strike="noStrike">
-                <a:latin typeface="Times new roman"/>
-              </a:rPr>
-              <a:t>th</a:t>
-            </a:r>
-            <a:r>
-              <a:rPr b="0" lang="en-US" sz="1600" spc="-1" strike="noStrike">
-                <a:latin typeface="Times new roman"/>
-              </a:rPr>
-              <a:t>at </a:t>
-            </a:r>
-            <a:r>
-              <a:rPr b="0" lang="en-US" sz="1600" spc="-1" strike="noStrike">
-                <a:latin typeface="Times new roman"/>
-              </a:rPr>
-              <a:t>gr</a:t>
-            </a:r>
-            <a:r>
-              <a:rPr b="0" lang="en-US" sz="1600" spc="-1" strike="noStrike">
-                <a:latin typeface="Times new roman"/>
-              </a:rPr>
-              <a:t>ap</a:t>
-            </a:r>
-            <a:r>
-              <a:rPr b="0" lang="en-US" sz="1600" spc="-1" strike="noStrike">
-                <a:latin typeface="Times new roman"/>
-              </a:rPr>
-              <a:t>hs </a:t>
-            </a:r>
-            <a:r>
-              <a:rPr b="0" lang="en-US" sz="1600" spc="-1" strike="noStrike">
-                <a:latin typeface="Times new roman"/>
-              </a:rPr>
-              <a:t>sp</a:t>
-            </a:r>
-            <a:r>
-              <a:rPr b="0" lang="en-US" sz="1600" spc="-1" strike="noStrike">
-                <a:latin typeface="Times new roman"/>
-              </a:rPr>
-              <a:t>eci</a:t>
-            </a:r>
-            <a:r>
-              <a:rPr b="0" lang="en-US" sz="1600" spc="-1" strike="noStrike">
-                <a:latin typeface="Times new roman"/>
-              </a:rPr>
-              <a:t>fic </a:t>
-            </a:r>
-            <a:r>
-              <a:rPr b="0" lang="en-US" sz="1600" spc="-1" strike="noStrike">
-                <a:latin typeface="Times new roman"/>
-              </a:rPr>
-              <a:t>po</a:t>
-            </a:r>
-            <a:r>
-              <a:rPr b="0" lang="en-US" sz="1600" spc="-1" strike="noStrike">
-                <a:latin typeface="Times new roman"/>
-              </a:rPr>
-              <a:t>we</a:t>
-            </a:r>
-            <a:r>
-              <a:rPr b="0" lang="en-US" sz="1600" spc="-1" strike="noStrike">
-                <a:latin typeface="Times new roman"/>
-              </a:rPr>
-              <a:t>r </a:t>
-            </a:r>
-            <a:r>
-              <a:rPr b="0" lang="en-US" sz="1600" spc="-1" strike="noStrike">
-                <a:latin typeface="Times new roman"/>
-              </a:rPr>
-              <a:t>vs </a:t>
-            </a:r>
-            <a:r>
-              <a:rPr b="0" lang="en-US" sz="1600" spc="-1" strike="noStrike">
-                <a:latin typeface="Times new roman"/>
-              </a:rPr>
-              <a:t>sp</a:t>
-            </a:r>
-            <a:r>
-              <a:rPr b="0" lang="en-US" sz="1600" spc="-1" strike="noStrike">
-                <a:latin typeface="Times new roman"/>
-              </a:rPr>
-              <a:t>eci</a:t>
-            </a:r>
-            <a:r>
-              <a:rPr b="0" lang="en-US" sz="1600" spc="-1" strike="noStrike">
-                <a:latin typeface="Times new roman"/>
-              </a:rPr>
-              <a:t>fic </a:t>
-            </a:r>
-            <a:r>
-              <a:rPr b="0" lang="en-US" sz="1600" spc="-1" strike="noStrike">
-                <a:latin typeface="Times new roman"/>
-              </a:rPr>
-              <a:t>en</a:t>
-            </a:r>
-            <a:r>
-              <a:rPr b="0" lang="en-US" sz="1600" spc="-1" strike="noStrike">
-                <a:latin typeface="Times new roman"/>
-              </a:rPr>
-              <a:t>er</a:t>
-            </a:r>
-            <a:r>
-              <a:rPr b="0" lang="en-US" sz="1600" spc="-1" strike="noStrike">
-                <a:latin typeface="Times new roman"/>
-              </a:rPr>
-              <a:t>gy </a:t>
-            </a:r>
-            <a:r>
-              <a:rPr b="0" lang="en-US" sz="1600" spc="-1" strike="noStrike">
-                <a:latin typeface="Times new roman"/>
-              </a:rPr>
-              <a:t>ov</a:t>
-            </a:r>
-            <a:r>
-              <a:rPr b="0" lang="en-US" sz="1600" spc="-1" strike="noStrike">
-                <a:latin typeface="Times new roman"/>
-              </a:rPr>
-              <a:t>er </a:t>
-            </a:r>
-            <a:r>
-              <a:rPr b="0" lang="en-US" sz="1600" spc="-1" strike="noStrike">
-                <a:latin typeface="Times new roman"/>
-              </a:rPr>
-              <a:t>ti</a:t>
-            </a:r>
-            <a:r>
-              <a:rPr b="0" lang="en-US" sz="1600" spc="-1" strike="noStrike">
-                <a:latin typeface="Times new roman"/>
-              </a:rPr>
-              <a:t>m</a:t>
-            </a:r>
-            <a:r>
-              <a:rPr b="0" lang="en-US" sz="1600" spc="-1" strike="noStrike">
-                <a:latin typeface="Times new roman"/>
-              </a:rPr>
-              <a:t>e. </a:t>
-            </a:r>
-            <a:endParaRPr b="0" lang="en-US" sz="1600" spc="-1" strike="noStrike">
-              <a:latin typeface="Times new roman"/>
-            </a:endParaRPr>
-          </a:p>
-        </p:txBody>
-      </p:sp>
-      <p:pic>
-        <p:nvPicPr>
-          <p:cNvPr id="76" name="" descr=""/>
-          <p:cNvPicPr/>
-          <p:nvPr/>
-        </p:nvPicPr>
-        <p:blipFill>
-          <a:blip r:embed="rId1"/>
-          <a:stretch/>
-        </p:blipFill>
-        <p:spPr>
-          <a:xfrm>
-            <a:off x="5014080" y="2000520"/>
-            <a:ext cx="3672720" cy="2571480"/>
-          </a:xfrm>
-          <a:prstGeom prst="rect">
-            <a:avLst/>
-          </a:prstGeom>
-          <a:ln w="0">
-            <a:noFill/>
-          </a:ln>
-        </p:spPr>
-      </p:pic>
-      <p:sp>
-        <p:nvSpPr>
-          <p:cNvPr id="77" name=""/>
-          <p:cNvSpPr txBox="1"/>
-          <p:nvPr/>
-        </p:nvSpPr>
-        <p:spPr>
-          <a:xfrm>
-            <a:off x="1143000" y="4947480"/>
-            <a:ext cx="7543800" cy="1224720"/>
-          </a:xfrm>
-          <a:prstGeom prst="rect">
-            <a:avLst/>
-          </a:prstGeom>
-          <a:noFill/>
-          <a:ln w="0">
-            <a:noFill/>
-          </a:ln>
-        </p:spPr>
-        <p:txBody>
-          <a:bodyPr lIns="90000" rIns="90000" tIns="45000" bIns="45000" anchor="t">
-            <a:noAutofit/>
-          </a:bodyPr>
-          <a:p>
-            <a:r>
-              <a:rPr b="0" i="1" lang="en-US" sz="1600" spc="-1" strike="noStrike">
-                <a:latin typeface="Times new roman"/>
-              </a:rPr>
-              <a:t>Primitive</a:t>
-            </a:r>
-            <a:r>
-              <a:rPr b="0" lang="en-US" sz="1600" spc="-1" strike="noStrike">
-                <a:latin typeface="Times new roman"/>
-              </a:rPr>
-              <a:t> GUI window reading input file and will display parameters. Eventually produces an interactive 3-D plot </a:t>
-            </a:r>
-            <a:endParaRPr b="0" lang="en-US" sz="1600" spc="-1" strike="noStrike">
-              <a:latin typeface="Times new roman"/>
-            </a:endParaRPr>
-          </a:p>
-        </p:txBody>
-      </p:sp>
-      <p:pic>
-        <p:nvPicPr>
-          <p:cNvPr id="78" name="" descr=""/>
-          <p:cNvPicPr/>
-          <p:nvPr/>
-        </p:nvPicPr>
-        <p:blipFill>
-          <a:blip r:embed="rId2"/>
-          <a:stretch/>
-        </p:blipFill>
-        <p:spPr>
-          <a:xfrm>
-            <a:off x="1352160" y="2057400"/>
-            <a:ext cx="2305440" cy="2372040"/>
-          </a:xfrm>
-          <a:prstGeom prst="rect">
-            <a:avLst/>
-          </a:prstGeom>
-          <a:ln w="0">
-            <a:noFill/>
-          </a:ln>
-        </p:spPr>
-      </p:pic>
     </p:spTree>
   </p:cSld>
   <p:transition>
